--- a/臺鐵列車動態地圖-00757006+00757043.pptx
+++ b/臺鐵列車動態地圖-00757006+00757043.pptx
@@ -5,7 +5,7 @@
     <p:sldMasterId id="2147483648" r:id="rId1"/>
   </p:sldMasterIdLst>
   <p:notesMasterIdLst>
-    <p:notesMasterId r:id="rId14"/>
+    <p:notesMasterId r:id="rId15"/>
   </p:notesMasterIdLst>
   <p:sldIdLst>
     <p:sldId id="256" r:id="rId2"/>
@@ -14,17 +14,18 @@
     <p:sldId id="278" r:id="rId5"/>
     <p:sldId id="283" r:id="rId6"/>
     <p:sldId id="285" r:id="rId7"/>
-    <p:sldId id="287" r:id="rId8"/>
-    <p:sldId id="269" r:id="rId9"/>
-    <p:sldId id="281" r:id="rId10"/>
-    <p:sldId id="279" r:id="rId11"/>
-    <p:sldId id="288" r:id="rId12"/>
-    <p:sldId id="280" r:id="rId13"/>
+    <p:sldId id="289" r:id="rId8"/>
+    <p:sldId id="287" r:id="rId9"/>
+    <p:sldId id="269" r:id="rId10"/>
+    <p:sldId id="281" r:id="rId11"/>
+    <p:sldId id="279" r:id="rId12"/>
+    <p:sldId id="288" r:id="rId13"/>
+    <p:sldId id="280" r:id="rId14"/>
   </p:sldIdLst>
   <p:sldSz cx="12192000" cy="6858000"/>
   <p:notesSz cx="6858000" cy="9144000"/>
   <p:custDataLst>
-    <p:tags r:id="rId15"/>
+    <p:tags r:id="rId16"/>
   </p:custDataLst>
   <p:defaultTextStyle>
     <a:defPPr>
@@ -3295,7 +3296,7 @@
     </p:spTree>
     <p:extLst>
       <p:ext uri="{BB962C8B-B14F-4D97-AF65-F5344CB8AC3E}">
-        <p14:creationId xmlns:p14="http://schemas.microsoft.com/office/powerpoint/2010/main" val="2897366580"/>
+        <p14:creationId xmlns:p14="http://schemas.microsoft.com/office/powerpoint/2010/main" val="2426510675"/>
       </p:ext>
     </p:extLst>
   </p:cSld>
@@ -3575,7 +3576,7 @@
     </p:spTree>
     <p:extLst>
       <p:ext uri="{BB962C8B-B14F-4D97-AF65-F5344CB8AC3E}">
-        <p14:creationId xmlns:p14="http://schemas.microsoft.com/office/powerpoint/2010/main" val="141629639"/>
+        <p14:creationId xmlns:p14="http://schemas.microsoft.com/office/powerpoint/2010/main" val="2897366580"/>
       </p:ext>
     </p:extLst>
   </p:cSld>
@@ -3855,7 +3856,7 @@
     </p:spTree>
     <p:extLst>
       <p:ext uri="{BB962C8B-B14F-4D97-AF65-F5344CB8AC3E}">
-        <p14:creationId xmlns:p14="http://schemas.microsoft.com/office/powerpoint/2010/main" val="3712480659"/>
+        <p14:creationId xmlns:p14="http://schemas.microsoft.com/office/powerpoint/2010/main" val="141629639"/>
       </p:ext>
     </p:extLst>
   </p:cSld>
@@ -3865,516 +3866,7 @@
 </p:notes>
 </file>
 
-<file path=ppt/notesSlides/notesSlide2.xml><?xml version="1.0" encoding="utf-8"?>
-<p:notes xmlns:a="http://schemas.openxmlformats.org/drawingml/2006/main" xmlns:r="http://schemas.openxmlformats.org/officeDocument/2006/relationships" xmlns:p="http://schemas.openxmlformats.org/presentationml/2006/main">
-  <p:cSld>
-    <p:spTree>
-      <p:nvGrpSpPr>
-        <p:cNvPr id="1" name=""/>
-        <p:cNvGrpSpPr/>
-        <p:nvPr/>
-      </p:nvGrpSpPr>
-      <p:grpSpPr>
-        <a:xfrm>
-          <a:off x="0" y="0"/>
-          <a:ext cx="0" cy="0"/>
-          <a:chOff x="0" y="0"/>
-          <a:chExt cx="0" cy="0"/>
-        </a:xfrm>
-      </p:grpSpPr>
-      <p:sp>
-        <p:nvSpPr>
-          <p:cNvPr id="2" name="幻灯片图像占位符 1"/>
-          <p:cNvSpPr>
-            <a:spLocks noGrp="1" noRot="1" noChangeAspect="1"/>
-          </p:cNvSpPr>
-          <p:nvPr>
-            <p:ph type="sldImg"/>
-          </p:nvPr>
-        </p:nvSpPr>
-        <p:spPr/>
-      </p:sp>
-      <p:sp>
-        <p:nvSpPr>
-          <p:cNvPr id="3" name="备注占位符 2"/>
-          <p:cNvSpPr>
-            <a:spLocks noGrp="1"/>
-          </p:cNvSpPr>
-          <p:nvPr>
-            <p:ph type="body" idx="1"/>
-          </p:nvPr>
-        </p:nvSpPr>
-        <p:spPr/>
-        <p:txBody>
-          <a:bodyPr/>
-          <a:lstStyle/>
-          <a:p>
-            <a:endParaRPr lang="zh-CN" altLang="en-US"/>
-          </a:p>
-        </p:txBody>
-      </p:sp>
-      <p:sp>
-        <p:nvSpPr>
-          <p:cNvPr id="4" name="灯片编号占位符 3"/>
-          <p:cNvSpPr>
-            <a:spLocks noGrp="1"/>
-          </p:cNvSpPr>
-          <p:nvPr>
-            <p:ph type="sldNum" sz="quarter" idx="10"/>
-          </p:nvPr>
-        </p:nvSpPr>
-        <p:spPr/>
-        <p:txBody>
-          <a:bodyPr/>
-          <a:lstStyle/>
-          <a:p>
-            <a:fld id="{D602CD74-468B-4C90-9D6C-ED1F93E3CEBF}" type="slidenum">
-              <a:rPr lang="zh-CN" altLang="en-US" smtClean="0"/>
-              <a:t>2</a:t>
-            </a:fld>
-            <a:endParaRPr lang="zh-CN" altLang="en-US"/>
-          </a:p>
-        </p:txBody>
-      </p:sp>
-    </p:spTree>
-    <p:extLst>
-      <p:ext uri="{BB962C8B-B14F-4D97-AF65-F5344CB8AC3E}">
-        <p14:creationId xmlns:p14="http://schemas.microsoft.com/office/powerpoint/2010/main" val="3050115991"/>
-      </p:ext>
-    </p:extLst>
-  </p:cSld>
-  <p:clrMapOvr>
-    <a:masterClrMapping/>
-  </p:clrMapOvr>
-</p:notes>
-</file>
-
-<file path=ppt/notesSlides/notesSlide3.xml><?xml version="1.0" encoding="utf-8"?>
-<p:notes xmlns:a="http://schemas.openxmlformats.org/drawingml/2006/main" xmlns:r="http://schemas.openxmlformats.org/officeDocument/2006/relationships" xmlns:p="http://schemas.openxmlformats.org/presentationml/2006/main">
-  <p:cSld>
-    <p:spTree>
-      <p:nvGrpSpPr>
-        <p:cNvPr id="1" name=""/>
-        <p:cNvGrpSpPr/>
-        <p:nvPr/>
-      </p:nvGrpSpPr>
-      <p:grpSpPr>
-        <a:xfrm>
-          <a:off x="0" y="0"/>
-          <a:ext cx="0" cy="0"/>
-          <a:chOff x="0" y="0"/>
-          <a:chExt cx="0" cy="0"/>
-        </a:xfrm>
-      </p:grpSpPr>
-      <p:sp>
-        <p:nvSpPr>
-          <p:cNvPr id="2" name="幻灯片图像占位符 1"/>
-          <p:cNvSpPr>
-            <a:spLocks noGrp="1" noRot="1" noChangeAspect="1"/>
-          </p:cNvSpPr>
-          <p:nvPr>
-            <p:ph type="sldImg"/>
-          </p:nvPr>
-        </p:nvSpPr>
-        <p:spPr/>
-      </p:sp>
-      <p:sp>
-        <p:nvSpPr>
-          <p:cNvPr id="3" name="备注占位符 2"/>
-          <p:cNvSpPr>
-            <a:spLocks noGrp="1"/>
-          </p:cNvSpPr>
-          <p:nvPr>
-            <p:ph type="body" idx="1"/>
-          </p:nvPr>
-        </p:nvSpPr>
-        <p:spPr/>
-        <p:txBody>
-          <a:bodyPr/>
-          <a:lstStyle/>
-          <a:p>
-            <a:endParaRPr lang="zh-CN" altLang="en-US"/>
-          </a:p>
-        </p:txBody>
-      </p:sp>
-      <p:sp>
-        <p:nvSpPr>
-          <p:cNvPr id="4" name="灯片编号占位符 3"/>
-          <p:cNvSpPr>
-            <a:spLocks noGrp="1"/>
-          </p:cNvSpPr>
-          <p:nvPr>
-            <p:ph type="sldNum" sz="quarter" idx="10"/>
-          </p:nvPr>
-        </p:nvSpPr>
-        <p:spPr/>
-        <p:txBody>
-          <a:bodyPr/>
-          <a:lstStyle/>
-          <a:p>
-            <a:fld id="{75638BCD-BAF0-4F2F-8ED1-BF002154F020}" type="slidenum">
-              <a:rPr lang="zh-CN" altLang="en-US" smtClean="0"/>
-              <a:pPr/>
-              <a:t>3</a:t>
-            </a:fld>
-            <a:endParaRPr lang="zh-CN" altLang="en-US"/>
-          </a:p>
-        </p:txBody>
-      </p:sp>
-    </p:spTree>
-    <p:extLst>
-      <p:ext uri="{BB962C8B-B14F-4D97-AF65-F5344CB8AC3E}">
-        <p14:creationId xmlns:p14="http://schemas.microsoft.com/office/powerpoint/2010/main" val="1963695603"/>
-      </p:ext>
-    </p:extLst>
-  </p:cSld>
-  <p:clrMapOvr>
-    <a:masterClrMapping/>
-  </p:clrMapOvr>
-</p:notes>
-</file>
-
-<file path=ppt/notesSlides/notesSlide4.xml><?xml version="1.0" encoding="utf-8"?>
-<p:notes xmlns:a="http://schemas.openxmlformats.org/drawingml/2006/main" xmlns:r="http://schemas.openxmlformats.org/officeDocument/2006/relationships" xmlns:p="http://schemas.openxmlformats.org/presentationml/2006/main">
-  <p:cSld>
-    <p:spTree>
-      <p:nvGrpSpPr>
-        <p:cNvPr id="1" name=""/>
-        <p:cNvGrpSpPr/>
-        <p:nvPr/>
-      </p:nvGrpSpPr>
-      <p:grpSpPr>
-        <a:xfrm>
-          <a:off x="0" y="0"/>
-          <a:ext cx="0" cy="0"/>
-          <a:chOff x="0" y="0"/>
-          <a:chExt cx="0" cy="0"/>
-        </a:xfrm>
-      </p:grpSpPr>
-      <p:sp>
-        <p:nvSpPr>
-          <p:cNvPr id="2" name="幻灯片图像占位符 1"/>
-          <p:cNvSpPr>
-            <a:spLocks noGrp="1" noRot="1" noChangeAspect="1"/>
-          </p:cNvSpPr>
-          <p:nvPr>
-            <p:ph type="sldImg"/>
-          </p:nvPr>
-        </p:nvSpPr>
-        <p:spPr/>
-      </p:sp>
-      <p:sp>
-        <p:nvSpPr>
-          <p:cNvPr id="3" name="备注占位符 2"/>
-          <p:cNvSpPr>
-            <a:spLocks noGrp="1"/>
-          </p:cNvSpPr>
-          <p:nvPr>
-            <p:ph type="body" idx="1"/>
-          </p:nvPr>
-        </p:nvSpPr>
-        <p:spPr/>
-        <p:txBody>
-          <a:bodyPr/>
-          <a:lstStyle/>
-          <a:p>
-            <a:endParaRPr lang="zh-CN" altLang="en-US"/>
-          </a:p>
-        </p:txBody>
-      </p:sp>
-      <p:sp>
-        <p:nvSpPr>
-          <p:cNvPr id="4" name="灯片编号占位符 3"/>
-          <p:cNvSpPr>
-            <a:spLocks noGrp="1"/>
-          </p:cNvSpPr>
-          <p:nvPr>
-            <p:ph type="sldNum" sz="quarter" idx="10"/>
-          </p:nvPr>
-        </p:nvSpPr>
-        <p:spPr/>
-        <p:txBody>
-          <a:bodyPr/>
-          <a:lstStyle/>
-          <a:p>
-            <a:fld id="{7E303885-BE8B-41DA-867E-71767820FE02}" type="slidenum">
-              <a:rPr lang="zh-CN" altLang="en-US" smtClean="0"/>
-              <a:pPr/>
-              <a:t>4</a:t>
-            </a:fld>
-            <a:endParaRPr lang="zh-CN" altLang="en-US"/>
-          </a:p>
-        </p:txBody>
-      </p:sp>
-    </p:spTree>
-    <p:extLst>
-      <p:ext uri="{BB962C8B-B14F-4D97-AF65-F5344CB8AC3E}">
-        <p14:creationId xmlns:p14="http://schemas.microsoft.com/office/powerpoint/2010/main" val="2259378856"/>
-      </p:ext>
-    </p:extLst>
-  </p:cSld>
-  <p:clrMapOvr>
-    <a:masterClrMapping/>
-  </p:clrMapOvr>
-</p:notes>
-</file>
-
-<file path=ppt/notesSlides/notesSlide5.xml><?xml version="1.0" encoding="utf-8"?>
-<p:notes xmlns:a="http://schemas.openxmlformats.org/drawingml/2006/main" xmlns:r="http://schemas.openxmlformats.org/officeDocument/2006/relationships" xmlns:p="http://schemas.openxmlformats.org/presentationml/2006/main">
-  <p:cSld>
-    <p:spTree>
-      <p:nvGrpSpPr>
-        <p:cNvPr id="1" name=""/>
-        <p:cNvGrpSpPr/>
-        <p:nvPr/>
-      </p:nvGrpSpPr>
-      <p:grpSpPr>
-        <a:xfrm>
-          <a:off x="0" y="0"/>
-          <a:ext cx="0" cy="0"/>
-          <a:chOff x="0" y="0"/>
-          <a:chExt cx="0" cy="0"/>
-        </a:xfrm>
-      </p:grpSpPr>
-      <p:sp>
-        <p:nvSpPr>
-          <p:cNvPr id="2" name="幻灯片图像占位符 1"/>
-          <p:cNvSpPr>
-            <a:spLocks noGrp="1" noRot="1" noChangeAspect="1"/>
-          </p:cNvSpPr>
-          <p:nvPr>
-            <p:ph type="sldImg"/>
-          </p:nvPr>
-        </p:nvSpPr>
-        <p:spPr/>
-      </p:sp>
-      <p:sp>
-        <p:nvSpPr>
-          <p:cNvPr id="3" name="备注占位符 2"/>
-          <p:cNvSpPr>
-            <a:spLocks noGrp="1"/>
-          </p:cNvSpPr>
-          <p:nvPr>
-            <p:ph type="body" idx="1"/>
-          </p:nvPr>
-        </p:nvSpPr>
-        <p:spPr/>
-        <p:txBody>
-          <a:bodyPr/>
-          <a:lstStyle/>
-          <a:p>
-            <a:endParaRPr lang="zh-CN" altLang="en-US"/>
-          </a:p>
-        </p:txBody>
-      </p:sp>
-      <p:sp>
-        <p:nvSpPr>
-          <p:cNvPr id="4" name="灯片编号占位符 3"/>
-          <p:cNvSpPr>
-            <a:spLocks noGrp="1"/>
-          </p:cNvSpPr>
-          <p:nvPr>
-            <p:ph type="sldNum" sz="quarter" idx="10"/>
-          </p:nvPr>
-        </p:nvSpPr>
-        <p:spPr/>
-        <p:txBody>
-          <a:bodyPr/>
-          <a:lstStyle/>
-          <a:p>
-            <a:fld id="{7E303885-BE8B-41DA-867E-71767820FE02}" type="slidenum">
-              <a:rPr lang="zh-CN" altLang="en-US" smtClean="0"/>
-              <a:pPr/>
-              <a:t>5</a:t>
-            </a:fld>
-            <a:endParaRPr lang="zh-CN" altLang="en-US"/>
-          </a:p>
-        </p:txBody>
-      </p:sp>
-    </p:spTree>
-    <p:extLst>
-      <p:ext uri="{BB962C8B-B14F-4D97-AF65-F5344CB8AC3E}">
-        <p14:creationId xmlns:p14="http://schemas.microsoft.com/office/powerpoint/2010/main" val="1535188077"/>
-      </p:ext>
-    </p:extLst>
-  </p:cSld>
-  <p:clrMapOvr>
-    <a:masterClrMapping/>
-  </p:clrMapOvr>
-</p:notes>
-</file>
-
-<file path=ppt/notesSlides/notesSlide6.xml><?xml version="1.0" encoding="utf-8"?>
-<p:notes xmlns:a="http://schemas.openxmlformats.org/drawingml/2006/main" xmlns:r="http://schemas.openxmlformats.org/officeDocument/2006/relationships" xmlns:p="http://schemas.openxmlformats.org/presentationml/2006/main">
-  <p:cSld>
-    <p:spTree>
-      <p:nvGrpSpPr>
-        <p:cNvPr id="1" name=""/>
-        <p:cNvGrpSpPr/>
-        <p:nvPr/>
-      </p:nvGrpSpPr>
-      <p:grpSpPr>
-        <a:xfrm>
-          <a:off x="0" y="0"/>
-          <a:ext cx="0" cy="0"/>
-          <a:chOff x="0" y="0"/>
-          <a:chExt cx="0" cy="0"/>
-        </a:xfrm>
-      </p:grpSpPr>
-      <p:sp>
-        <p:nvSpPr>
-          <p:cNvPr id="2" name="幻灯片图像占位符 1"/>
-          <p:cNvSpPr>
-            <a:spLocks noGrp="1" noRot="1" noChangeAspect="1"/>
-          </p:cNvSpPr>
-          <p:nvPr>
-            <p:ph type="sldImg"/>
-          </p:nvPr>
-        </p:nvSpPr>
-        <p:spPr/>
-      </p:sp>
-      <p:sp>
-        <p:nvSpPr>
-          <p:cNvPr id="3" name="备注占位符 2"/>
-          <p:cNvSpPr>
-            <a:spLocks noGrp="1"/>
-          </p:cNvSpPr>
-          <p:nvPr>
-            <p:ph type="body" idx="1"/>
-          </p:nvPr>
-        </p:nvSpPr>
-        <p:spPr/>
-        <p:txBody>
-          <a:bodyPr/>
-          <a:lstStyle/>
-          <a:p>
-            <a:endParaRPr lang="zh-CN" altLang="en-US"/>
-          </a:p>
-        </p:txBody>
-      </p:sp>
-      <p:sp>
-        <p:nvSpPr>
-          <p:cNvPr id="4" name="灯片编号占位符 3"/>
-          <p:cNvSpPr>
-            <a:spLocks noGrp="1"/>
-          </p:cNvSpPr>
-          <p:nvPr>
-            <p:ph type="sldNum" sz="quarter" idx="10"/>
-          </p:nvPr>
-        </p:nvSpPr>
-        <p:spPr/>
-        <p:txBody>
-          <a:bodyPr/>
-          <a:lstStyle/>
-          <a:p>
-            <a:fld id="{7E303885-BE8B-41DA-867E-71767820FE02}" type="slidenum">
-              <a:rPr lang="zh-CN" altLang="en-US" smtClean="0"/>
-              <a:pPr/>
-              <a:t>6</a:t>
-            </a:fld>
-            <a:endParaRPr lang="zh-CN" altLang="en-US"/>
-          </a:p>
-        </p:txBody>
-      </p:sp>
-    </p:spTree>
-    <p:extLst>
-      <p:ext uri="{BB962C8B-B14F-4D97-AF65-F5344CB8AC3E}">
-        <p14:creationId xmlns:p14="http://schemas.microsoft.com/office/powerpoint/2010/main" val="2865532653"/>
-      </p:ext>
-    </p:extLst>
-  </p:cSld>
-  <p:clrMapOvr>
-    <a:masterClrMapping/>
-  </p:clrMapOvr>
-</p:notes>
-</file>
-
-<file path=ppt/notesSlides/notesSlide7.xml><?xml version="1.0" encoding="utf-8"?>
-<p:notes xmlns:a="http://schemas.openxmlformats.org/drawingml/2006/main" xmlns:r="http://schemas.openxmlformats.org/officeDocument/2006/relationships" xmlns:p="http://schemas.openxmlformats.org/presentationml/2006/main">
-  <p:cSld>
-    <p:spTree>
-      <p:nvGrpSpPr>
-        <p:cNvPr id="1" name=""/>
-        <p:cNvGrpSpPr/>
-        <p:nvPr/>
-      </p:nvGrpSpPr>
-      <p:grpSpPr>
-        <a:xfrm>
-          <a:off x="0" y="0"/>
-          <a:ext cx="0" cy="0"/>
-          <a:chOff x="0" y="0"/>
-          <a:chExt cx="0" cy="0"/>
-        </a:xfrm>
-      </p:grpSpPr>
-      <p:sp>
-        <p:nvSpPr>
-          <p:cNvPr id="2" name="幻灯片图像占位符 1"/>
-          <p:cNvSpPr>
-            <a:spLocks noGrp="1" noRot="1" noChangeAspect="1"/>
-          </p:cNvSpPr>
-          <p:nvPr>
-            <p:ph type="sldImg"/>
-          </p:nvPr>
-        </p:nvSpPr>
-        <p:spPr/>
-      </p:sp>
-      <p:sp>
-        <p:nvSpPr>
-          <p:cNvPr id="3" name="备注占位符 2"/>
-          <p:cNvSpPr>
-            <a:spLocks noGrp="1"/>
-          </p:cNvSpPr>
-          <p:nvPr>
-            <p:ph type="body" idx="1"/>
-          </p:nvPr>
-        </p:nvSpPr>
-        <p:spPr/>
-        <p:txBody>
-          <a:bodyPr/>
-          <a:lstStyle/>
-          <a:p>
-            <a:endParaRPr lang="zh-CN" altLang="en-US"/>
-          </a:p>
-        </p:txBody>
-      </p:sp>
-      <p:sp>
-        <p:nvSpPr>
-          <p:cNvPr id="4" name="灯片编号占位符 3"/>
-          <p:cNvSpPr>
-            <a:spLocks noGrp="1"/>
-          </p:cNvSpPr>
-          <p:nvPr>
-            <p:ph type="sldNum" sz="quarter" idx="10"/>
-          </p:nvPr>
-        </p:nvSpPr>
-        <p:spPr/>
-        <p:txBody>
-          <a:bodyPr/>
-          <a:lstStyle/>
-          <a:p>
-            <a:fld id="{7E303885-BE8B-41DA-867E-71767820FE02}" type="slidenum">
-              <a:rPr lang="zh-CN" altLang="en-US" smtClean="0"/>
-              <a:pPr/>
-              <a:t>7</a:t>
-            </a:fld>
-            <a:endParaRPr lang="zh-CN" altLang="en-US"/>
-          </a:p>
-        </p:txBody>
-      </p:sp>
-    </p:spTree>
-    <p:extLst>
-      <p:ext uri="{BB962C8B-B14F-4D97-AF65-F5344CB8AC3E}">
-        <p14:creationId xmlns:p14="http://schemas.microsoft.com/office/powerpoint/2010/main" val="3832445220"/>
-      </p:ext>
-    </p:extLst>
-  </p:cSld>
-  <p:clrMapOvr>
-    <a:masterClrMapping/>
-  </p:clrMapOvr>
-</p:notes>
-</file>
-
-<file path=ppt/notesSlides/notesSlide8.xml><?xml version="1.0" encoding="utf-8"?>
+<file path=ppt/notesSlides/notesSlide13.xml><?xml version="1.0" encoding="utf-8"?>
 <p:notes xmlns:a="http://schemas.openxmlformats.org/drawingml/2006/main" xmlns:r="http://schemas.openxmlformats.org/officeDocument/2006/relationships" xmlns:p="http://schemas.openxmlformats.org/presentationml/2006/main">
   <p:cSld>
     <p:spTree>
@@ -4635,6 +4127,600 @@
                   <a:spcPct val="0"/>
                 </a:spcAft>
               </a:pPr>
+              <a:t>13</a:t>
+            </a:fld>
+            <a:endParaRPr lang="zh-CN" altLang="en-US"/>
+          </a:p>
+        </p:txBody>
+      </p:sp>
+    </p:spTree>
+    <p:extLst>
+      <p:ext uri="{BB962C8B-B14F-4D97-AF65-F5344CB8AC3E}">
+        <p14:creationId xmlns:p14="http://schemas.microsoft.com/office/powerpoint/2010/main" val="3712480659"/>
+      </p:ext>
+    </p:extLst>
+  </p:cSld>
+  <p:clrMapOvr>
+    <a:masterClrMapping/>
+  </p:clrMapOvr>
+</p:notes>
+</file>
+
+<file path=ppt/notesSlides/notesSlide2.xml><?xml version="1.0" encoding="utf-8"?>
+<p:notes xmlns:a="http://schemas.openxmlformats.org/drawingml/2006/main" xmlns:r="http://schemas.openxmlformats.org/officeDocument/2006/relationships" xmlns:p="http://schemas.openxmlformats.org/presentationml/2006/main">
+  <p:cSld>
+    <p:spTree>
+      <p:nvGrpSpPr>
+        <p:cNvPr id="1" name=""/>
+        <p:cNvGrpSpPr/>
+        <p:nvPr/>
+      </p:nvGrpSpPr>
+      <p:grpSpPr>
+        <a:xfrm>
+          <a:off x="0" y="0"/>
+          <a:ext cx="0" cy="0"/>
+          <a:chOff x="0" y="0"/>
+          <a:chExt cx="0" cy="0"/>
+        </a:xfrm>
+      </p:grpSpPr>
+      <p:sp>
+        <p:nvSpPr>
+          <p:cNvPr id="2" name="幻灯片图像占位符 1"/>
+          <p:cNvSpPr>
+            <a:spLocks noGrp="1" noRot="1" noChangeAspect="1"/>
+          </p:cNvSpPr>
+          <p:nvPr>
+            <p:ph type="sldImg"/>
+          </p:nvPr>
+        </p:nvSpPr>
+        <p:spPr/>
+      </p:sp>
+      <p:sp>
+        <p:nvSpPr>
+          <p:cNvPr id="3" name="备注占位符 2"/>
+          <p:cNvSpPr>
+            <a:spLocks noGrp="1"/>
+          </p:cNvSpPr>
+          <p:nvPr>
+            <p:ph type="body" idx="1"/>
+          </p:nvPr>
+        </p:nvSpPr>
+        <p:spPr/>
+        <p:txBody>
+          <a:bodyPr/>
+          <a:lstStyle/>
+          <a:p>
+            <a:endParaRPr lang="zh-CN" altLang="en-US"/>
+          </a:p>
+        </p:txBody>
+      </p:sp>
+      <p:sp>
+        <p:nvSpPr>
+          <p:cNvPr id="4" name="灯片编号占位符 3"/>
+          <p:cNvSpPr>
+            <a:spLocks noGrp="1"/>
+          </p:cNvSpPr>
+          <p:nvPr>
+            <p:ph type="sldNum" sz="quarter" idx="10"/>
+          </p:nvPr>
+        </p:nvSpPr>
+        <p:spPr/>
+        <p:txBody>
+          <a:bodyPr/>
+          <a:lstStyle/>
+          <a:p>
+            <a:fld id="{D602CD74-468B-4C90-9D6C-ED1F93E3CEBF}" type="slidenum">
+              <a:rPr lang="zh-CN" altLang="en-US" smtClean="0"/>
+              <a:t>2</a:t>
+            </a:fld>
+            <a:endParaRPr lang="zh-CN" altLang="en-US"/>
+          </a:p>
+        </p:txBody>
+      </p:sp>
+    </p:spTree>
+    <p:extLst>
+      <p:ext uri="{BB962C8B-B14F-4D97-AF65-F5344CB8AC3E}">
+        <p14:creationId xmlns:p14="http://schemas.microsoft.com/office/powerpoint/2010/main" val="3050115991"/>
+      </p:ext>
+    </p:extLst>
+  </p:cSld>
+  <p:clrMapOvr>
+    <a:masterClrMapping/>
+  </p:clrMapOvr>
+</p:notes>
+</file>
+
+<file path=ppt/notesSlides/notesSlide3.xml><?xml version="1.0" encoding="utf-8"?>
+<p:notes xmlns:a="http://schemas.openxmlformats.org/drawingml/2006/main" xmlns:r="http://schemas.openxmlformats.org/officeDocument/2006/relationships" xmlns:p="http://schemas.openxmlformats.org/presentationml/2006/main">
+  <p:cSld>
+    <p:spTree>
+      <p:nvGrpSpPr>
+        <p:cNvPr id="1" name=""/>
+        <p:cNvGrpSpPr/>
+        <p:nvPr/>
+      </p:nvGrpSpPr>
+      <p:grpSpPr>
+        <a:xfrm>
+          <a:off x="0" y="0"/>
+          <a:ext cx="0" cy="0"/>
+          <a:chOff x="0" y="0"/>
+          <a:chExt cx="0" cy="0"/>
+        </a:xfrm>
+      </p:grpSpPr>
+      <p:sp>
+        <p:nvSpPr>
+          <p:cNvPr id="2" name="幻灯片图像占位符 1"/>
+          <p:cNvSpPr>
+            <a:spLocks noGrp="1" noRot="1" noChangeAspect="1"/>
+          </p:cNvSpPr>
+          <p:nvPr>
+            <p:ph type="sldImg"/>
+          </p:nvPr>
+        </p:nvSpPr>
+        <p:spPr/>
+      </p:sp>
+      <p:sp>
+        <p:nvSpPr>
+          <p:cNvPr id="3" name="备注占位符 2"/>
+          <p:cNvSpPr>
+            <a:spLocks noGrp="1"/>
+          </p:cNvSpPr>
+          <p:nvPr>
+            <p:ph type="body" idx="1"/>
+          </p:nvPr>
+        </p:nvSpPr>
+        <p:spPr/>
+        <p:txBody>
+          <a:bodyPr/>
+          <a:lstStyle/>
+          <a:p>
+            <a:endParaRPr lang="zh-CN" altLang="en-US"/>
+          </a:p>
+        </p:txBody>
+      </p:sp>
+      <p:sp>
+        <p:nvSpPr>
+          <p:cNvPr id="4" name="灯片编号占位符 3"/>
+          <p:cNvSpPr>
+            <a:spLocks noGrp="1"/>
+          </p:cNvSpPr>
+          <p:nvPr>
+            <p:ph type="sldNum" sz="quarter" idx="10"/>
+          </p:nvPr>
+        </p:nvSpPr>
+        <p:spPr/>
+        <p:txBody>
+          <a:bodyPr/>
+          <a:lstStyle/>
+          <a:p>
+            <a:fld id="{75638BCD-BAF0-4F2F-8ED1-BF002154F020}" type="slidenum">
+              <a:rPr lang="zh-CN" altLang="en-US" smtClean="0"/>
+              <a:pPr/>
+              <a:t>3</a:t>
+            </a:fld>
+            <a:endParaRPr lang="zh-CN" altLang="en-US"/>
+          </a:p>
+        </p:txBody>
+      </p:sp>
+    </p:spTree>
+    <p:extLst>
+      <p:ext uri="{BB962C8B-B14F-4D97-AF65-F5344CB8AC3E}">
+        <p14:creationId xmlns:p14="http://schemas.microsoft.com/office/powerpoint/2010/main" val="1963695603"/>
+      </p:ext>
+    </p:extLst>
+  </p:cSld>
+  <p:clrMapOvr>
+    <a:masterClrMapping/>
+  </p:clrMapOvr>
+</p:notes>
+</file>
+
+<file path=ppt/notesSlides/notesSlide4.xml><?xml version="1.0" encoding="utf-8"?>
+<p:notes xmlns:a="http://schemas.openxmlformats.org/drawingml/2006/main" xmlns:r="http://schemas.openxmlformats.org/officeDocument/2006/relationships" xmlns:p="http://schemas.openxmlformats.org/presentationml/2006/main">
+  <p:cSld>
+    <p:spTree>
+      <p:nvGrpSpPr>
+        <p:cNvPr id="1" name=""/>
+        <p:cNvGrpSpPr/>
+        <p:nvPr/>
+      </p:nvGrpSpPr>
+      <p:grpSpPr>
+        <a:xfrm>
+          <a:off x="0" y="0"/>
+          <a:ext cx="0" cy="0"/>
+          <a:chOff x="0" y="0"/>
+          <a:chExt cx="0" cy="0"/>
+        </a:xfrm>
+      </p:grpSpPr>
+      <p:sp>
+        <p:nvSpPr>
+          <p:cNvPr id="2" name="幻灯片图像占位符 1"/>
+          <p:cNvSpPr>
+            <a:spLocks noGrp="1" noRot="1" noChangeAspect="1"/>
+          </p:cNvSpPr>
+          <p:nvPr>
+            <p:ph type="sldImg"/>
+          </p:nvPr>
+        </p:nvSpPr>
+        <p:spPr/>
+      </p:sp>
+      <p:sp>
+        <p:nvSpPr>
+          <p:cNvPr id="3" name="备注占位符 2"/>
+          <p:cNvSpPr>
+            <a:spLocks noGrp="1"/>
+          </p:cNvSpPr>
+          <p:nvPr>
+            <p:ph type="body" idx="1"/>
+          </p:nvPr>
+        </p:nvSpPr>
+        <p:spPr/>
+        <p:txBody>
+          <a:bodyPr/>
+          <a:lstStyle/>
+          <a:p>
+            <a:endParaRPr lang="zh-CN" altLang="en-US"/>
+          </a:p>
+        </p:txBody>
+      </p:sp>
+      <p:sp>
+        <p:nvSpPr>
+          <p:cNvPr id="4" name="灯片编号占位符 3"/>
+          <p:cNvSpPr>
+            <a:spLocks noGrp="1"/>
+          </p:cNvSpPr>
+          <p:nvPr>
+            <p:ph type="sldNum" sz="quarter" idx="10"/>
+          </p:nvPr>
+        </p:nvSpPr>
+        <p:spPr/>
+        <p:txBody>
+          <a:bodyPr/>
+          <a:lstStyle/>
+          <a:p>
+            <a:fld id="{7E303885-BE8B-41DA-867E-71767820FE02}" type="slidenum">
+              <a:rPr lang="zh-CN" altLang="en-US" smtClean="0"/>
+              <a:pPr/>
+              <a:t>4</a:t>
+            </a:fld>
+            <a:endParaRPr lang="zh-CN" altLang="en-US"/>
+          </a:p>
+        </p:txBody>
+      </p:sp>
+    </p:spTree>
+    <p:extLst>
+      <p:ext uri="{BB962C8B-B14F-4D97-AF65-F5344CB8AC3E}">
+        <p14:creationId xmlns:p14="http://schemas.microsoft.com/office/powerpoint/2010/main" val="2259378856"/>
+      </p:ext>
+    </p:extLst>
+  </p:cSld>
+  <p:clrMapOvr>
+    <a:masterClrMapping/>
+  </p:clrMapOvr>
+</p:notes>
+</file>
+
+<file path=ppt/notesSlides/notesSlide5.xml><?xml version="1.0" encoding="utf-8"?>
+<p:notes xmlns:a="http://schemas.openxmlformats.org/drawingml/2006/main" xmlns:r="http://schemas.openxmlformats.org/officeDocument/2006/relationships" xmlns:p="http://schemas.openxmlformats.org/presentationml/2006/main">
+  <p:cSld>
+    <p:spTree>
+      <p:nvGrpSpPr>
+        <p:cNvPr id="1" name=""/>
+        <p:cNvGrpSpPr/>
+        <p:nvPr/>
+      </p:nvGrpSpPr>
+      <p:grpSpPr>
+        <a:xfrm>
+          <a:off x="0" y="0"/>
+          <a:ext cx="0" cy="0"/>
+          <a:chOff x="0" y="0"/>
+          <a:chExt cx="0" cy="0"/>
+        </a:xfrm>
+      </p:grpSpPr>
+      <p:sp>
+        <p:nvSpPr>
+          <p:cNvPr id="2" name="幻灯片图像占位符 1"/>
+          <p:cNvSpPr>
+            <a:spLocks noGrp="1" noRot="1" noChangeAspect="1"/>
+          </p:cNvSpPr>
+          <p:nvPr>
+            <p:ph type="sldImg"/>
+          </p:nvPr>
+        </p:nvSpPr>
+        <p:spPr/>
+      </p:sp>
+      <p:sp>
+        <p:nvSpPr>
+          <p:cNvPr id="3" name="备注占位符 2"/>
+          <p:cNvSpPr>
+            <a:spLocks noGrp="1"/>
+          </p:cNvSpPr>
+          <p:nvPr>
+            <p:ph type="body" idx="1"/>
+          </p:nvPr>
+        </p:nvSpPr>
+        <p:spPr/>
+        <p:txBody>
+          <a:bodyPr/>
+          <a:lstStyle/>
+          <a:p>
+            <a:endParaRPr lang="zh-CN" altLang="en-US"/>
+          </a:p>
+        </p:txBody>
+      </p:sp>
+      <p:sp>
+        <p:nvSpPr>
+          <p:cNvPr id="4" name="灯片编号占位符 3"/>
+          <p:cNvSpPr>
+            <a:spLocks noGrp="1"/>
+          </p:cNvSpPr>
+          <p:nvPr>
+            <p:ph type="sldNum" sz="quarter" idx="10"/>
+          </p:nvPr>
+        </p:nvSpPr>
+        <p:spPr/>
+        <p:txBody>
+          <a:bodyPr/>
+          <a:lstStyle/>
+          <a:p>
+            <a:fld id="{7E303885-BE8B-41DA-867E-71767820FE02}" type="slidenum">
+              <a:rPr lang="zh-CN" altLang="en-US" smtClean="0"/>
+              <a:pPr/>
+              <a:t>5</a:t>
+            </a:fld>
+            <a:endParaRPr lang="zh-CN" altLang="en-US"/>
+          </a:p>
+        </p:txBody>
+      </p:sp>
+    </p:spTree>
+    <p:extLst>
+      <p:ext uri="{BB962C8B-B14F-4D97-AF65-F5344CB8AC3E}">
+        <p14:creationId xmlns:p14="http://schemas.microsoft.com/office/powerpoint/2010/main" val="1535188077"/>
+      </p:ext>
+    </p:extLst>
+  </p:cSld>
+  <p:clrMapOvr>
+    <a:masterClrMapping/>
+  </p:clrMapOvr>
+</p:notes>
+</file>
+
+<file path=ppt/notesSlides/notesSlide6.xml><?xml version="1.0" encoding="utf-8"?>
+<p:notes xmlns:a="http://schemas.openxmlformats.org/drawingml/2006/main" xmlns:r="http://schemas.openxmlformats.org/officeDocument/2006/relationships" xmlns:p="http://schemas.openxmlformats.org/presentationml/2006/main">
+  <p:cSld>
+    <p:spTree>
+      <p:nvGrpSpPr>
+        <p:cNvPr id="1" name=""/>
+        <p:cNvGrpSpPr/>
+        <p:nvPr/>
+      </p:nvGrpSpPr>
+      <p:grpSpPr>
+        <a:xfrm>
+          <a:off x="0" y="0"/>
+          <a:ext cx="0" cy="0"/>
+          <a:chOff x="0" y="0"/>
+          <a:chExt cx="0" cy="0"/>
+        </a:xfrm>
+      </p:grpSpPr>
+      <p:sp>
+        <p:nvSpPr>
+          <p:cNvPr id="2" name="幻灯片图像占位符 1"/>
+          <p:cNvSpPr>
+            <a:spLocks noGrp="1" noRot="1" noChangeAspect="1"/>
+          </p:cNvSpPr>
+          <p:nvPr>
+            <p:ph type="sldImg"/>
+          </p:nvPr>
+        </p:nvSpPr>
+        <p:spPr/>
+      </p:sp>
+      <p:sp>
+        <p:nvSpPr>
+          <p:cNvPr id="3" name="备注占位符 2"/>
+          <p:cNvSpPr>
+            <a:spLocks noGrp="1"/>
+          </p:cNvSpPr>
+          <p:nvPr>
+            <p:ph type="body" idx="1"/>
+          </p:nvPr>
+        </p:nvSpPr>
+        <p:spPr/>
+        <p:txBody>
+          <a:bodyPr/>
+          <a:lstStyle/>
+          <a:p>
+            <a:endParaRPr lang="zh-CN" altLang="en-US"/>
+          </a:p>
+        </p:txBody>
+      </p:sp>
+      <p:sp>
+        <p:nvSpPr>
+          <p:cNvPr id="4" name="灯片编号占位符 3"/>
+          <p:cNvSpPr>
+            <a:spLocks noGrp="1"/>
+          </p:cNvSpPr>
+          <p:nvPr>
+            <p:ph type="sldNum" sz="quarter" idx="10"/>
+          </p:nvPr>
+        </p:nvSpPr>
+        <p:spPr/>
+        <p:txBody>
+          <a:bodyPr/>
+          <a:lstStyle/>
+          <a:p>
+            <a:fld id="{7E303885-BE8B-41DA-867E-71767820FE02}" type="slidenum">
+              <a:rPr lang="zh-CN" altLang="en-US" smtClean="0"/>
+              <a:pPr/>
+              <a:t>6</a:t>
+            </a:fld>
+            <a:endParaRPr lang="zh-CN" altLang="en-US"/>
+          </a:p>
+        </p:txBody>
+      </p:sp>
+    </p:spTree>
+    <p:extLst>
+      <p:ext uri="{BB962C8B-B14F-4D97-AF65-F5344CB8AC3E}">
+        <p14:creationId xmlns:p14="http://schemas.microsoft.com/office/powerpoint/2010/main" val="2865532653"/>
+      </p:ext>
+    </p:extLst>
+  </p:cSld>
+  <p:clrMapOvr>
+    <a:masterClrMapping/>
+  </p:clrMapOvr>
+</p:notes>
+</file>
+
+<file path=ppt/notesSlides/notesSlide7.xml><?xml version="1.0" encoding="utf-8"?>
+<p:notes xmlns:a="http://schemas.openxmlformats.org/drawingml/2006/main" xmlns:r="http://schemas.openxmlformats.org/officeDocument/2006/relationships" xmlns:p="http://schemas.openxmlformats.org/presentationml/2006/main">
+  <p:cSld>
+    <p:spTree>
+      <p:nvGrpSpPr>
+        <p:cNvPr id="1" name=""/>
+        <p:cNvGrpSpPr/>
+        <p:nvPr/>
+      </p:nvGrpSpPr>
+      <p:grpSpPr>
+        <a:xfrm>
+          <a:off x="0" y="0"/>
+          <a:ext cx="0" cy="0"/>
+          <a:chOff x="0" y="0"/>
+          <a:chExt cx="0" cy="0"/>
+        </a:xfrm>
+      </p:grpSpPr>
+      <p:sp>
+        <p:nvSpPr>
+          <p:cNvPr id="2" name="幻灯片图像占位符 1"/>
+          <p:cNvSpPr>
+            <a:spLocks noGrp="1" noRot="1" noChangeAspect="1"/>
+          </p:cNvSpPr>
+          <p:nvPr>
+            <p:ph type="sldImg"/>
+          </p:nvPr>
+        </p:nvSpPr>
+        <p:spPr/>
+      </p:sp>
+      <p:sp>
+        <p:nvSpPr>
+          <p:cNvPr id="3" name="备注占位符 2"/>
+          <p:cNvSpPr>
+            <a:spLocks noGrp="1"/>
+          </p:cNvSpPr>
+          <p:nvPr>
+            <p:ph type="body" idx="1"/>
+          </p:nvPr>
+        </p:nvSpPr>
+        <p:spPr/>
+        <p:txBody>
+          <a:bodyPr/>
+          <a:lstStyle/>
+          <a:p>
+            <a:endParaRPr lang="zh-CN" altLang="en-US"/>
+          </a:p>
+        </p:txBody>
+      </p:sp>
+      <p:sp>
+        <p:nvSpPr>
+          <p:cNvPr id="4" name="灯片编号占位符 3"/>
+          <p:cNvSpPr>
+            <a:spLocks noGrp="1"/>
+          </p:cNvSpPr>
+          <p:nvPr>
+            <p:ph type="sldNum" sz="quarter" idx="10"/>
+          </p:nvPr>
+        </p:nvSpPr>
+        <p:spPr/>
+        <p:txBody>
+          <a:bodyPr/>
+          <a:lstStyle/>
+          <a:p>
+            <a:fld id="{7E303885-BE8B-41DA-867E-71767820FE02}" type="slidenum">
+              <a:rPr lang="zh-CN" altLang="en-US" smtClean="0"/>
+              <a:pPr/>
+              <a:t>7</a:t>
+            </a:fld>
+            <a:endParaRPr lang="zh-CN" altLang="en-US"/>
+          </a:p>
+        </p:txBody>
+      </p:sp>
+    </p:spTree>
+    <p:extLst>
+      <p:ext uri="{BB962C8B-B14F-4D97-AF65-F5344CB8AC3E}">
+        <p14:creationId xmlns:p14="http://schemas.microsoft.com/office/powerpoint/2010/main" val="2150709303"/>
+      </p:ext>
+    </p:extLst>
+  </p:cSld>
+  <p:clrMapOvr>
+    <a:masterClrMapping/>
+  </p:clrMapOvr>
+</p:notes>
+</file>
+
+<file path=ppt/notesSlides/notesSlide8.xml><?xml version="1.0" encoding="utf-8"?>
+<p:notes xmlns:a="http://schemas.openxmlformats.org/drawingml/2006/main" xmlns:r="http://schemas.openxmlformats.org/officeDocument/2006/relationships" xmlns:p="http://schemas.openxmlformats.org/presentationml/2006/main">
+  <p:cSld>
+    <p:spTree>
+      <p:nvGrpSpPr>
+        <p:cNvPr id="1" name=""/>
+        <p:cNvGrpSpPr/>
+        <p:nvPr/>
+      </p:nvGrpSpPr>
+      <p:grpSpPr>
+        <a:xfrm>
+          <a:off x="0" y="0"/>
+          <a:ext cx="0" cy="0"/>
+          <a:chOff x="0" y="0"/>
+          <a:chExt cx="0" cy="0"/>
+        </a:xfrm>
+      </p:grpSpPr>
+      <p:sp>
+        <p:nvSpPr>
+          <p:cNvPr id="2" name="幻灯片图像占位符 1"/>
+          <p:cNvSpPr>
+            <a:spLocks noGrp="1" noRot="1" noChangeAspect="1"/>
+          </p:cNvSpPr>
+          <p:nvPr>
+            <p:ph type="sldImg"/>
+          </p:nvPr>
+        </p:nvSpPr>
+        <p:spPr/>
+      </p:sp>
+      <p:sp>
+        <p:nvSpPr>
+          <p:cNvPr id="3" name="备注占位符 2"/>
+          <p:cNvSpPr>
+            <a:spLocks noGrp="1"/>
+          </p:cNvSpPr>
+          <p:nvPr>
+            <p:ph type="body" idx="1"/>
+          </p:nvPr>
+        </p:nvSpPr>
+        <p:spPr/>
+        <p:txBody>
+          <a:bodyPr/>
+          <a:lstStyle/>
+          <a:p>
+            <a:endParaRPr lang="zh-CN" altLang="en-US"/>
+          </a:p>
+        </p:txBody>
+      </p:sp>
+      <p:sp>
+        <p:nvSpPr>
+          <p:cNvPr id="4" name="灯片编号占位符 3"/>
+          <p:cNvSpPr>
+            <a:spLocks noGrp="1"/>
+          </p:cNvSpPr>
+          <p:nvPr>
+            <p:ph type="sldNum" sz="quarter" idx="10"/>
+          </p:nvPr>
+        </p:nvSpPr>
+        <p:spPr/>
+        <p:txBody>
+          <a:bodyPr/>
+          <a:lstStyle/>
+          <a:p>
+            <a:fld id="{7E303885-BE8B-41DA-867E-71767820FE02}" type="slidenum">
+              <a:rPr lang="zh-CN" altLang="en-US" smtClean="0"/>
+              <a:pPr/>
               <a:t>8</a:t>
             </a:fld>
             <a:endParaRPr lang="zh-CN" altLang="en-US"/>
@@ -4644,7 +4730,7 @@
     </p:spTree>
     <p:extLst>
       <p:ext uri="{BB962C8B-B14F-4D97-AF65-F5344CB8AC3E}">
-        <p14:creationId xmlns:p14="http://schemas.microsoft.com/office/powerpoint/2010/main" val="997360764"/>
+        <p14:creationId xmlns:p14="http://schemas.microsoft.com/office/powerpoint/2010/main" val="3832445220"/>
       </p:ext>
     </p:extLst>
   </p:cSld>
@@ -4924,7 +5010,7 @@
     </p:spTree>
     <p:extLst>
       <p:ext uri="{BB962C8B-B14F-4D97-AF65-F5344CB8AC3E}">
-        <p14:creationId xmlns:p14="http://schemas.microsoft.com/office/powerpoint/2010/main" val="2426510675"/>
+        <p14:creationId xmlns:p14="http://schemas.microsoft.com/office/powerpoint/2010/main" val="997360764"/>
       </p:ext>
     </p:extLst>
   </p:cSld>
@@ -8670,6 +8756,423 @@
       </p:grpSpPr>
       <p:sp>
         <p:nvSpPr>
+          <p:cNvPr id="44" name="文本框 43">
+            <a:extLst>
+              <a:ext uri="{FF2B5EF4-FFF2-40B4-BE49-F238E27FC236}">
+                <a16:creationId xmlns:a16="http://schemas.microsoft.com/office/drawing/2014/main" id="{527B6D09-841D-459E-A7DC-18A6F0EB159F}"/>
+              </a:ext>
+            </a:extLst>
+          </p:cNvPr>
+          <p:cNvSpPr txBox="1"/>
+          <p:nvPr/>
+        </p:nvSpPr>
+        <p:spPr>
+          <a:xfrm>
+            <a:off x="3640594" y="315992"/>
+            <a:ext cx="4910809" cy="1569660"/>
+          </a:xfrm>
+          <a:prstGeom prst="rect">
+            <a:avLst/>
+          </a:prstGeom>
+          <a:noFill/>
+        </p:spPr>
+        <p:txBody>
+          <a:bodyPr wrap="square" rtlCol="0">
+            <a:spAutoFit/>
+          </a:bodyPr>
+          <a:lstStyle/>
+          <a:p>
+            <a:r>
+              <a:rPr lang="zh-TW" altLang="en-US" sz="4800" dirty="0">
+                <a:latin typeface="微软雅黑" panose="020B0503020204020204" pitchFamily="34" charset="-122"/>
+                <a:ea typeface="微软雅黑" panose="020B0503020204020204" pitchFamily="34" charset="-122"/>
+              </a:rPr>
+              <a:t>網站特色</a:t>
+            </a:r>
+            <a:r>
+              <a:rPr lang="en-US" altLang="zh-TW" sz="4800" dirty="0">
+                <a:latin typeface="微软雅黑" panose="020B0503020204020204" pitchFamily="34" charset="-122"/>
+                <a:ea typeface="微软雅黑" panose="020B0503020204020204" pitchFamily="34" charset="-122"/>
+              </a:rPr>
+              <a:t>-</a:t>
+            </a:r>
+            <a:r>
+              <a:rPr lang="zh-TW" altLang="en-US" sz="4800" dirty="0">
+                <a:latin typeface="微软雅黑"/>
+                <a:ea typeface="微软雅黑"/>
+                <a:cs typeface="Bebas Neue" charset="0"/>
+                <a:sym typeface="Bebas Neue" charset="0"/>
+              </a:rPr>
+              <a:t>視覺化</a:t>
+            </a:r>
+            <a:endParaRPr lang="en-US" altLang="zh-CN" sz="4800" dirty="0">
+              <a:latin typeface="微软雅黑"/>
+              <a:ea typeface="微软雅黑"/>
+              <a:cs typeface="Bebas Neue" charset="0"/>
+              <a:sym typeface="Bebas Neue" charset="0"/>
+            </a:endParaRPr>
+          </a:p>
+          <a:p>
+            <a:endParaRPr lang="zh-CN" altLang="en-US" sz="4800" dirty="0">
+              <a:latin typeface="微软雅黑" panose="020B0503020204020204" pitchFamily="34" charset="-122"/>
+              <a:ea typeface="微软雅黑" panose="020B0503020204020204" pitchFamily="34" charset="-122"/>
+            </a:endParaRPr>
+          </a:p>
+        </p:txBody>
+      </p:sp>
+      <p:grpSp>
+        <p:nvGrpSpPr>
+          <p:cNvPr id="45" name="组合 55">
+            <a:extLst>
+              <a:ext uri="{FF2B5EF4-FFF2-40B4-BE49-F238E27FC236}">
+                <a16:creationId xmlns:a16="http://schemas.microsoft.com/office/drawing/2014/main" id="{7B2C076E-D09A-4EB8-BE7F-AF32AC5D8C2D}"/>
+              </a:ext>
+            </a:extLst>
+          </p:cNvPr>
+          <p:cNvGrpSpPr/>
+          <p:nvPr/>
+        </p:nvGrpSpPr>
+        <p:grpSpPr>
+          <a:xfrm>
+            <a:off x="1042036" y="1553469"/>
+            <a:ext cx="9092680" cy="4988539"/>
+            <a:chOff x="8055161" y="1866986"/>
+            <a:chExt cx="5473640" cy="3741407"/>
+          </a:xfrm>
+        </p:grpSpPr>
+        <p:sp>
+          <p:nvSpPr>
+            <p:cNvPr id="48" name="文本框 57">
+              <a:extLst>
+                <a:ext uri="{FF2B5EF4-FFF2-40B4-BE49-F238E27FC236}">
+                  <a16:creationId xmlns:a16="http://schemas.microsoft.com/office/drawing/2014/main" id="{C7AEB1CA-4153-474B-8C3B-D63E8C4CF961}"/>
+                </a:ext>
+              </a:extLst>
+            </p:cNvPr>
+            <p:cNvSpPr txBox="1"/>
+            <p:nvPr/>
+          </p:nvSpPr>
+          <p:spPr bwMode="auto">
+            <a:xfrm>
+              <a:off x="8666320" y="5276956"/>
+              <a:ext cx="4862481" cy="331437"/>
+            </a:xfrm>
+            <a:prstGeom prst="rect">
+              <a:avLst/>
+            </a:prstGeom>
+            <a:noFill/>
+            <a:ln>
+              <a:noFill/>
+            </a:ln>
+            <a:extLst>
+              <a:ext uri="{909E8E84-426E-40DD-AFC4-6F175D3DCCD1}">
+                <a14:hiddenFill xmlns:a14="http://schemas.microsoft.com/office/drawing/2010/main">
+                  <a:solidFill>
+                    <a:srgbClr val="FFFFFF"/>
+                  </a:solidFill>
+                </a14:hiddenFill>
+              </a:ext>
+              <a:ext uri="{91240B29-F687-4F45-9708-019B960494DF}">
+                <a14:hiddenLine xmlns:a14="http://schemas.microsoft.com/office/drawing/2010/main" w="9525">
+                  <a:solidFill>
+                    <a:srgbClr val="000000"/>
+                  </a:solidFill>
+                  <a:miter lim="800000"/>
+                  <a:headEnd/>
+                  <a:tailEnd/>
+                </a14:hiddenLine>
+              </a:ext>
+            </a:extLst>
+          </p:spPr>
+          <p:txBody>
+            <a:bodyPr wrap="square">
+              <a:spAutoFit/>
+            </a:bodyPr>
+            <a:lstStyle>
+              <a:defPPr>
+                <a:defRPr lang="zh-CN"/>
+              </a:defPPr>
+              <a:lvl1pPr algn="ctr" eaLnBrk="1" hangingPunct="1">
+                <a:lnSpc>
+                  <a:spcPts val="900"/>
+                </a:lnSpc>
+                <a:defRPr sz="600">
+                  <a:solidFill>
+                    <a:schemeClr val="bg1"/>
+                  </a:solidFill>
+                  <a:latin typeface="Arial" panose="020B0604020202020204" pitchFamily="34" charset="0"/>
+                  <a:ea typeface="微软雅黑" panose="020B0503020204020204" pitchFamily="34" charset="-122"/>
+                  <a:cs typeface="Arial" panose="020B0604020202020204" pitchFamily="34" charset="0"/>
+                </a:defRPr>
+              </a:lvl1pPr>
+              <a:lvl2pPr marL="742950" indent="-285750"/>
+              <a:lvl3pPr marL="1143000" indent="-228600"/>
+              <a:lvl4pPr marL="1600200" indent="-228600"/>
+              <a:lvl5pPr marL="2057400" indent="-228600"/>
+              <a:lvl6pPr marL="2514600" indent="-228600" eaLnBrk="0" fontAlgn="base" hangingPunct="0">
+                <a:spcBef>
+                  <a:spcPct val="0"/>
+                </a:spcBef>
+                <a:spcAft>
+                  <a:spcPct val="0"/>
+                </a:spcAft>
+              </a:lvl6pPr>
+              <a:lvl7pPr marL="2971800" indent="-228600" eaLnBrk="0" fontAlgn="base" hangingPunct="0">
+                <a:spcBef>
+                  <a:spcPct val="0"/>
+                </a:spcBef>
+                <a:spcAft>
+                  <a:spcPct val="0"/>
+                </a:spcAft>
+              </a:lvl7pPr>
+              <a:lvl8pPr marL="3429000" indent="-228600" eaLnBrk="0" fontAlgn="base" hangingPunct="0">
+                <a:spcBef>
+                  <a:spcPct val="0"/>
+                </a:spcBef>
+                <a:spcAft>
+                  <a:spcPct val="0"/>
+                </a:spcAft>
+              </a:lvl8pPr>
+              <a:lvl9pPr marL="3886200" indent="-228600" eaLnBrk="0" fontAlgn="base" hangingPunct="0">
+                <a:spcBef>
+                  <a:spcPct val="0"/>
+                </a:spcBef>
+                <a:spcAft>
+                  <a:spcPct val="0"/>
+                </a:spcAft>
+              </a:lvl9pPr>
+            </a:lstStyle>
+            <a:p>
+              <a:pPr algn="l" fontAlgn="base">
+                <a:lnSpc>
+                  <a:spcPct val="125000"/>
+                </a:lnSpc>
+                <a:spcBef>
+                  <a:spcPct val="0"/>
+                </a:spcBef>
+                <a:spcAft>
+                  <a:spcPct val="0"/>
+                </a:spcAft>
+              </a:pPr>
+              <a:r>
+                <a:rPr lang="zh-TW" altLang="en-US" sz="2000" dirty="0">
+                  <a:solidFill>
+                    <a:schemeClr val="tx1"/>
+                  </a:solidFill>
+                  <a:latin typeface="微软雅黑"/>
+                  <a:ea typeface="微软雅黑"/>
+                  <a:cs typeface="Lato Light" charset="0"/>
+                  <a:sym typeface="Lato Light" charset="0"/>
+                </a:rPr>
+                <a:t>車站以紅色圓點表示，網頁開啟時會顯示站名，可以迅速找到想找的站</a:t>
+              </a:r>
+              <a:endParaRPr lang="en-US" altLang="zh-TW" sz="2000" dirty="0">
+                <a:solidFill>
+                  <a:schemeClr val="tx1"/>
+                </a:solidFill>
+                <a:latin typeface="微软雅黑"/>
+                <a:ea typeface="微软雅黑"/>
+                <a:cs typeface="Lato Light" charset="0"/>
+                <a:sym typeface="Lato Light" charset="0"/>
+              </a:endParaRPr>
+            </a:p>
+          </p:txBody>
+        </p:sp>
+        <p:sp>
+          <p:nvSpPr>
+            <p:cNvPr id="49" name="文本框 24">
+              <a:extLst>
+                <a:ext uri="{FF2B5EF4-FFF2-40B4-BE49-F238E27FC236}">
+                  <a16:creationId xmlns:a16="http://schemas.microsoft.com/office/drawing/2014/main" id="{41192D14-4D42-4148-8EC8-C160DBB5C3E8}"/>
+                </a:ext>
+              </a:extLst>
+            </p:cNvPr>
+            <p:cNvSpPr txBox="1">
+              <a:spLocks noChangeArrowheads="1"/>
+            </p:cNvSpPr>
+            <p:nvPr/>
+          </p:nvSpPr>
+          <p:spPr bwMode="auto">
+            <a:xfrm>
+              <a:off x="8055161" y="1866986"/>
+              <a:ext cx="1165041" cy="269593"/>
+            </a:xfrm>
+            <a:prstGeom prst="rect">
+              <a:avLst/>
+            </a:prstGeom>
+            <a:noFill/>
+            <a:ln>
+              <a:noFill/>
+            </a:ln>
+            <a:extLst>
+              <a:ext uri="{909E8E84-426E-40DD-AFC4-6F175D3DCCD1}">
+                <a14:hiddenFill xmlns:a14="http://schemas.microsoft.com/office/drawing/2010/main">
+                  <a:solidFill>
+                    <a:srgbClr val="FFFFFF"/>
+                  </a:solidFill>
+                </a14:hiddenFill>
+              </a:ext>
+              <a:ext uri="{91240B29-F687-4F45-9708-019B960494DF}">
+                <a14:hiddenLine xmlns:a14="http://schemas.microsoft.com/office/drawing/2010/main" w="9525">
+                  <a:solidFill>
+                    <a:srgbClr val="000000"/>
+                  </a:solidFill>
+                  <a:miter lim="800000"/>
+                  <a:headEnd/>
+                  <a:tailEnd/>
+                </a14:hiddenLine>
+              </a:ext>
+            </a:extLst>
+          </p:spPr>
+          <p:txBody>
+            <a:bodyPr wrap="square">
+              <a:spAutoFit/>
+            </a:bodyPr>
+            <a:lstStyle>
+              <a:defPPr>
+                <a:defRPr lang="zh-CN"/>
+              </a:defPPr>
+              <a:lvl1pPr eaLnBrk="1" hangingPunct="1">
+                <a:lnSpc>
+                  <a:spcPts val="1200"/>
+                </a:lnSpc>
+                <a:defRPr sz="800">
+                  <a:solidFill>
+                    <a:schemeClr val="tx1">
+                      <a:lumMod val="75000"/>
+                      <a:lumOff val="25000"/>
+                    </a:schemeClr>
+                  </a:solidFill>
+                  <a:latin typeface="Arial" panose="020B0604020202020204" pitchFamily="34" charset="0"/>
+                  <a:ea typeface="微软雅黑" panose="020B0503020204020204" pitchFamily="34" charset="-122"/>
+                  <a:cs typeface="Arial" panose="020B0604020202020204" pitchFamily="34" charset="0"/>
+                </a:defRPr>
+              </a:lvl1pPr>
+              <a:lvl2pPr marL="742950" indent="-285750"/>
+              <a:lvl3pPr marL="1143000" indent="-228600"/>
+              <a:lvl4pPr marL="1600200" indent="-228600"/>
+              <a:lvl5pPr marL="2057400" indent="-228600"/>
+              <a:lvl6pPr marL="2514600" indent="-228600" fontAlgn="base">
+                <a:spcBef>
+                  <a:spcPct val="0"/>
+                </a:spcBef>
+                <a:spcAft>
+                  <a:spcPct val="0"/>
+                </a:spcAft>
+              </a:lvl6pPr>
+              <a:lvl7pPr marL="2971800" indent="-228600" fontAlgn="base">
+                <a:spcBef>
+                  <a:spcPct val="0"/>
+                </a:spcBef>
+                <a:spcAft>
+                  <a:spcPct val="0"/>
+                </a:spcAft>
+              </a:lvl7pPr>
+              <a:lvl8pPr marL="3429000" indent="-228600" fontAlgn="base">
+                <a:spcBef>
+                  <a:spcPct val="0"/>
+                </a:spcBef>
+                <a:spcAft>
+                  <a:spcPct val="0"/>
+                </a:spcAft>
+              </a:lvl8pPr>
+              <a:lvl9pPr marL="3886200" indent="-228600" fontAlgn="base">
+                <a:spcBef>
+                  <a:spcPct val="0"/>
+                </a:spcBef>
+                <a:spcAft>
+                  <a:spcPct val="0"/>
+                </a:spcAft>
+              </a:lvl9pPr>
+            </a:lstStyle>
+            <a:p>
+              <a:pPr fontAlgn="base">
+                <a:lnSpc>
+                  <a:spcPct val="70000"/>
+                </a:lnSpc>
+                <a:spcBef>
+                  <a:spcPct val="0"/>
+                </a:spcBef>
+                <a:spcAft>
+                  <a:spcPct val="0"/>
+                </a:spcAft>
+                <a:buNone/>
+              </a:pPr>
+              <a:endParaRPr lang="en-US" altLang="zh-CN" sz="2400" dirty="0">
+                <a:solidFill>
+                  <a:schemeClr val="tx1"/>
+                </a:solidFill>
+                <a:latin typeface="微软雅黑"/>
+                <a:ea typeface="微软雅黑"/>
+                <a:cs typeface="Bebas Neue" charset="0"/>
+                <a:sym typeface="Bebas Neue" charset="0"/>
+              </a:endParaRPr>
+            </a:p>
+          </p:txBody>
+        </p:sp>
+      </p:grpSp>
+      <p:pic>
+        <p:nvPicPr>
+          <p:cNvPr id="2" name="圖片 1">
+            <a:extLst>
+              <a:ext uri="{FF2B5EF4-FFF2-40B4-BE49-F238E27FC236}">
+                <a16:creationId xmlns:a16="http://schemas.microsoft.com/office/drawing/2014/main" id="{C464CDC9-06DB-4943-8520-BFBA10FCDA8E}"/>
+              </a:ext>
+            </a:extLst>
+          </p:cNvPr>
+          <p:cNvPicPr>
+            <a:picLocks noChangeAspect="1"/>
+          </p:cNvPicPr>
+          <p:nvPr/>
+        </p:nvPicPr>
+        <p:blipFill>
+          <a:blip r:embed="rId3"/>
+          <a:stretch>
+            <a:fillRect/>
+          </a:stretch>
+        </p:blipFill>
+        <p:spPr>
+          <a:xfrm>
+            <a:off x="1975861" y="1475692"/>
+            <a:ext cx="8240277" cy="4281486"/>
+          </a:xfrm>
+          <a:prstGeom prst="rect">
+            <a:avLst/>
+          </a:prstGeom>
+        </p:spPr>
+      </p:pic>
+    </p:spTree>
+    <p:extLst>
+      <p:ext uri="{BB962C8B-B14F-4D97-AF65-F5344CB8AC3E}">
+        <p14:creationId xmlns:p14="http://schemas.microsoft.com/office/powerpoint/2010/main" val="602198954"/>
+      </p:ext>
+    </p:extLst>
+  </p:cSld>
+  <p:clrMapOvr>
+    <a:masterClrMapping/>
+  </p:clrMapOvr>
+</p:sld>
+</file>
+
+<file path=ppt/slides/slide11.xml><?xml version="1.0" encoding="utf-8"?>
+<p:sld xmlns:a="http://schemas.openxmlformats.org/drawingml/2006/main" xmlns:r="http://schemas.openxmlformats.org/officeDocument/2006/relationships" xmlns:p="http://schemas.openxmlformats.org/presentationml/2006/main">
+  <p:cSld>
+    <p:spTree>
+      <p:nvGrpSpPr>
+        <p:cNvPr id="1" name=""/>
+        <p:cNvGrpSpPr/>
+        <p:nvPr/>
+      </p:nvGrpSpPr>
+      <p:grpSpPr>
+        <a:xfrm>
+          <a:off x="0" y="0"/>
+          <a:ext cx="0" cy="0"/>
+          <a:chOff x="0" y="0"/>
+          <a:chExt cx="0" cy="0"/>
+        </a:xfrm>
+      </p:grpSpPr>
+      <p:sp>
+        <p:nvSpPr>
           <p:cNvPr id="66" name="文本框 65"/>
           <p:cNvSpPr txBox="1"/>
           <p:nvPr/>
@@ -8858,6 +9361,44 @@
           </a:p>
         </p:txBody>
       </p:sp>
+      <p:pic>
+        <p:nvPicPr>
+          <p:cNvPr id="4" name="錄製_2019_12_31_08_50_36_135">
+            <a:hlinkClick r:id="" action="ppaction://media"/>
+            <a:extLst>
+              <a:ext uri="{FF2B5EF4-FFF2-40B4-BE49-F238E27FC236}">
+                <a16:creationId xmlns:a16="http://schemas.microsoft.com/office/drawing/2014/main" id="{E1413490-04A0-4AD5-A44F-AF8012264226}"/>
+              </a:ext>
+            </a:extLst>
+          </p:cNvPr>
+          <p:cNvPicPr>
+            <a:picLocks noChangeAspect="1"/>
+          </p:cNvPicPr>
+          <p:nvPr>
+            <a:videoFile r:link="rId2"/>
+            <p:extLst>
+              <p:ext uri="{DAA4B4D4-6D71-4841-9C94-3DE7FCFB9230}">
+                <p14:media xmlns:p14="http://schemas.microsoft.com/office/powerpoint/2010/main" r:embed="rId1"/>
+              </p:ext>
+            </p:extLst>
+          </p:nvPr>
+        </p:nvPicPr>
+        <p:blipFill>
+          <a:blip r:embed="rId5"/>
+          <a:stretch>
+            <a:fillRect/>
+          </a:stretch>
+        </p:blipFill>
+        <p:spPr>
+          <a:xfrm>
+            <a:off x="1543341" y="1323247"/>
+            <a:ext cx="4927600" cy="4597400"/>
+          </a:xfrm>
+          <a:prstGeom prst="rect">
+            <a:avLst/>
+          </a:prstGeom>
+        </p:spPr>
+      </p:pic>
     </p:spTree>
     <p:extLst>
       <p:ext uri="{BB962C8B-B14F-4D97-AF65-F5344CB8AC3E}">
@@ -8868,10 +9409,90 @@
   <p:clrMapOvr>
     <a:masterClrMapping/>
   </p:clrMapOvr>
+  <p:timing>
+    <p:tnLst>
+      <p:par>
+        <p:cTn id="1" dur="indefinite" restart="never" nodeType="tmRoot">
+          <p:childTnLst>
+            <p:seq concurrent="1" nextAc="seek">
+              <p:cTn id="2" restart="whenNotActive" fill="hold" evtFilter="cancelBubble" nodeType="interactiveSeq">
+                <p:stCondLst>
+                  <p:cond evt="onClick" delay="0">
+                    <p:tgtEl>
+                      <p:spTgt spid="4"/>
+                    </p:tgtEl>
+                  </p:cond>
+                </p:stCondLst>
+                <p:endSync evt="end" delay="0">
+                  <p:rtn val="all"/>
+                </p:endSync>
+                <p:childTnLst>
+                  <p:par>
+                    <p:cTn id="3" fill="hold">
+                      <p:stCondLst>
+                        <p:cond delay="0"/>
+                      </p:stCondLst>
+                      <p:childTnLst>
+                        <p:par>
+                          <p:cTn id="4" fill="hold">
+                            <p:stCondLst>
+                              <p:cond delay="0"/>
+                            </p:stCondLst>
+                            <p:childTnLst>
+                              <p:par>
+                                <p:cTn id="5" presetID="2" presetClass="mediacall" presetSubtype="0" fill="hold" nodeType="clickEffect">
+                                  <p:stCondLst>
+                                    <p:cond delay="0"/>
+                                  </p:stCondLst>
+                                  <p:childTnLst>
+                                    <p:cmd type="call" cmd="togglePause">
+                                      <p:cBhvr>
+                                        <p:cTn id="6" dur="1" fill="hold"/>
+                                        <p:tgtEl>
+                                          <p:spTgt spid="4"/>
+                                        </p:tgtEl>
+                                      </p:cBhvr>
+                                    </p:cmd>
+                                  </p:childTnLst>
+                                </p:cTn>
+                              </p:par>
+                            </p:childTnLst>
+                          </p:cTn>
+                        </p:par>
+                      </p:childTnLst>
+                    </p:cTn>
+                  </p:par>
+                </p:childTnLst>
+              </p:cTn>
+              <p:nextCondLst>
+                <p:cond evt="onClick" delay="0">
+                  <p:tgtEl>
+                    <p:spTgt spid="4"/>
+                  </p:tgtEl>
+                </p:cond>
+              </p:nextCondLst>
+            </p:seq>
+            <p:video>
+              <p:cMediaNode vol="80000">
+                <p:cTn id="7" fill="hold" display="0">
+                  <p:stCondLst>
+                    <p:cond delay="indefinite"/>
+                  </p:stCondLst>
+                </p:cTn>
+                <p:tgtEl>
+                  <p:spTgt spid="4"/>
+                </p:tgtEl>
+              </p:cMediaNode>
+            </p:video>
+          </p:childTnLst>
+        </p:cTn>
+      </p:par>
+    </p:tnLst>
+  </p:timing>
 </p:sld>
 </file>
 
-<file path=ppt/slides/slide11.xml><?xml version="1.0" encoding="utf-8"?>
+<file path=ppt/slides/slide12.xml><?xml version="1.0" encoding="utf-8"?>
 <p:sld xmlns:a="http://schemas.openxmlformats.org/drawingml/2006/main" xmlns:r="http://schemas.openxmlformats.org/officeDocument/2006/relationships" xmlns:p="http://schemas.openxmlformats.org/presentationml/2006/main">
   <p:cSld>
     <p:spTree>
@@ -8896,8 +9517,8 @@
         </p:nvSpPr>
         <p:spPr bwMode="auto">
           <a:xfrm>
-            <a:off x="1747859" y="6085649"/>
-            <a:ext cx="8252791" cy="441916"/>
+            <a:off x="5438987" y="4585231"/>
+            <a:ext cx="6420126" cy="826637"/>
           </a:xfrm>
           <a:prstGeom prst="rect">
             <a:avLst/>
@@ -9003,10 +9624,22 @@
                 </a:solidFill>
                 <a:latin typeface="微软雅黑"/>
                 <a:ea typeface="微软雅黑"/>
+                <a:cs typeface="Bebas Neue" charset="0"/>
+                <a:sym typeface="Bebas Neue" charset="0"/>
+              </a:rPr>
+              <a:t>點擊車站紅點可獲得即將進站列車資訊不</a:t>
+            </a:r>
+            <a:r>
+              <a:rPr lang="zh-TW" altLang="en-US" sz="2000" dirty="0">
+                <a:solidFill>
+                  <a:schemeClr val="tx1"/>
+                </a:solidFill>
+                <a:latin typeface="微软雅黑"/>
+                <a:ea typeface="微软雅黑"/>
                 <a:cs typeface="Lato Light" charset="0"/>
                 <a:sym typeface="Lato Light" charset="0"/>
               </a:rPr>
-              <a:t>台鐵的列車時刻查詢需要輸入列車的部分資訊，此網站不用。</a:t>
+              <a:t>需輸入列車的部分資訊。</a:t>
             </a:r>
             <a:endParaRPr lang="en-US" altLang="zh-CN" sz="2000" dirty="0">
               <a:solidFill>
@@ -9034,7 +9667,7 @@
         </p:nvSpPr>
         <p:spPr>
           <a:xfrm>
-            <a:off x="3395151" y="330437"/>
+            <a:off x="2936319" y="325310"/>
             <a:ext cx="5401697" cy="830997"/>
           </a:xfrm>
           <a:prstGeom prst="rect">
@@ -9076,12 +9709,42 @@
           </a:p>
         </p:txBody>
       </p:sp>
+      <p:pic>
+        <p:nvPicPr>
+          <p:cNvPr id="4" name="圖片 3">
+            <a:extLst>
+              <a:ext uri="{FF2B5EF4-FFF2-40B4-BE49-F238E27FC236}">
+                <a16:creationId xmlns:a16="http://schemas.microsoft.com/office/drawing/2014/main" id="{ADFF243F-C69B-4D9A-B86F-31D1246AE6C2}"/>
+              </a:ext>
+            </a:extLst>
+          </p:cNvPr>
+          <p:cNvPicPr>
+            <a:picLocks noChangeAspect="1"/>
+          </p:cNvPicPr>
+          <p:nvPr/>
+        </p:nvPicPr>
+        <p:blipFill>
+          <a:blip r:embed="rId5"/>
+          <a:stretch>
+            <a:fillRect/>
+          </a:stretch>
+        </p:blipFill>
+        <p:spPr>
+          <a:xfrm>
+            <a:off x="5296605" y="1266738"/>
+            <a:ext cx="6704890" cy="2927408"/>
+          </a:xfrm>
+          <a:prstGeom prst="rect">
+            <a:avLst/>
+          </a:prstGeom>
+        </p:spPr>
+      </p:pic>
       <p:sp>
         <p:nvSpPr>
           <p:cNvPr id="2" name="文字方塊 1">
             <a:extLst>
               <a:ext uri="{FF2B5EF4-FFF2-40B4-BE49-F238E27FC236}">
-                <a16:creationId xmlns:a16="http://schemas.microsoft.com/office/drawing/2014/main" id="{95F97C97-E345-4936-A06A-02D178FD757E}"/>
+                <a16:creationId xmlns:a16="http://schemas.microsoft.com/office/drawing/2014/main" id="{59582AD6-9913-4EFB-ABBE-D3DDC2128BF6}"/>
               </a:ext>
             </a:extLst>
           </p:cNvPr>
@@ -9090,8 +9753,8 @@
         </p:nvSpPr>
         <p:spPr>
           <a:xfrm>
-            <a:off x="5794410" y="3542096"/>
-            <a:ext cx="2348564" cy="486608"/>
+            <a:off x="8019876" y="1176686"/>
+            <a:ext cx="2155970" cy="369332"/>
           </a:xfrm>
           <a:prstGeom prst="rect">
             <a:avLst/>
@@ -9104,36 +9767,51 @@
           </a:bodyPr>
           <a:lstStyle/>
           <a:p>
-            <a:pPr fontAlgn="base">
-              <a:lnSpc>
-                <a:spcPct val="70000"/>
-              </a:lnSpc>
-              <a:spcBef>
-                <a:spcPct val="0"/>
-              </a:spcBef>
-              <a:spcAft>
-                <a:spcPct val="0"/>
-              </a:spcAft>
-              <a:buNone/>
-            </a:pPr>
-            <a:r>
-              <a:rPr lang="zh-TW" altLang="en-US" dirty="0">
-                <a:latin typeface="微软雅黑"/>
-                <a:ea typeface="微软雅黑"/>
-                <a:cs typeface="Bebas Neue" charset="0"/>
-                <a:sym typeface="Bebas Neue" charset="0"/>
-              </a:rPr>
-              <a:t>點擊車站紅點可獲得即將進站列車資訊</a:t>
-            </a:r>
-            <a:endParaRPr lang="en-US" altLang="zh-CN" dirty="0">
-              <a:latin typeface="微软雅黑"/>
-              <a:ea typeface="微软雅黑"/>
-              <a:cs typeface="Bebas Neue" charset="0"/>
-              <a:sym typeface="Bebas Neue" charset="0"/>
-            </a:endParaRPr>
-          </a:p>
-        </p:txBody>
-      </p:sp>
+            <a:r>
+              <a:rPr lang="zh-TW" altLang="en-US" dirty="0"/>
+              <a:t>臺鐵官網</a:t>
+            </a:r>
+          </a:p>
+        </p:txBody>
+      </p:sp>
+      <p:pic>
+        <p:nvPicPr>
+          <p:cNvPr id="5" name="bandicam 2019-12-31 11-28-05-262">
+            <a:hlinkClick r:id="" action="ppaction://media"/>
+            <a:extLst>
+              <a:ext uri="{FF2B5EF4-FFF2-40B4-BE49-F238E27FC236}">
+                <a16:creationId xmlns:a16="http://schemas.microsoft.com/office/drawing/2014/main" id="{73FFE7DD-E7A9-4BD6-A750-C2A786FFD8A7}"/>
+              </a:ext>
+            </a:extLst>
+          </p:cNvPr>
+          <p:cNvPicPr>
+            <a:picLocks noChangeAspect="1"/>
+          </p:cNvPicPr>
+          <p:nvPr>
+            <a:videoFile r:link="rId2"/>
+            <p:extLst>
+              <p:ext uri="{DAA4B4D4-6D71-4841-9C94-3DE7FCFB9230}">
+                <p14:media xmlns:p14="http://schemas.microsoft.com/office/powerpoint/2010/main" r:embed="rId1"/>
+              </p:ext>
+            </p:extLst>
+          </p:nvPr>
+        </p:nvPicPr>
+        <p:blipFill>
+          <a:blip r:embed="rId6"/>
+          <a:stretch>
+            <a:fillRect/>
+          </a:stretch>
+        </p:blipFill>
+        <p:spPr>
+          <a:xfrm>
+            <a:off x="190505" y="1937138"/>
+            <a:ext cx="5071705" cy="3077701"/>
+          </a:xfrm>
+          <a:prstGeom prst="rect">
+            <a:avLst/>
+          </a:prstGeom>
+        </p:spPr>
+      </p:pic>
     </p:spTree>
     <p:extLst>
       <p:ext uri="{BB962C8B-B14F-4D97-AF65-F5344CB8AC3E}">
@@ -9144,10 +9822,145 @@
   <p:clrMapOvr>
     <a:masterClrMapping/>
   </p:clrMapOvr>
+  <p:timing>
+    <p:tnLst>
+      <p:par>
+        <p:cTn id="1" dur="indefinite" restart="never" nodeType="tmRoot">
+          <p:childTnLst>
+            <p:seq concurrent="1" nextAc="seek">
+              <p:cTn id="2" dur="indefinite" nodeType="mainSeq">
+                <p:childTnLst>
+                  <p:par>
+                    <p:cTn id="3" fill="hold">
+                      <p:stCondLst>
+                        <p:cond delay="indefinite"/>
+                      </p:stCondLst>
+                      <p:childTnLst>
+                        <p:par>
+                          <p:cTn id="4" fill="hold">
+                            <p:stCondLst>
+                              <p:cond delay="0"/>
+                            </p:stCondLst>
+                            <p:childTnLst>
+                              <p:par>
+                                <p:cTn id="5" presetID="1" presetClass="mediacall" presetSubtype="0" fill="hold" nodeType="clickEffect">
+                                  <p:stCondLst>
+                                    <p:cond delay="0"/>
+                                  </p:stCondLst>
+                                  <p:childTnLst>
+                                    <p:cmd type="call" cmd="playFrom(0.0)">
+                                      <p:cBhvr>
+                                        <p:cTn id="6" dur="8132" fill="hold"/>
+                                        <p:tgtEl>
+                                          <p:spTgt spid="5"/>
+                                        </p:tgtEl>
+                                      </p:cBhvr>
+                                    </p:cmd>
+                                  </p:childTnLst>
+                                </p:cTn>
+                              </p:par>
+                            </p:childTnLst>
+                          </p:cTn>
+                        </p:par>
+                      </p:childTnLst>
+                    </p:cTn>
+                  </p:par>
+                </p:childTnLst>
+              </p:cTn>
+              <p:prevCondLst>
+                <p:cond evt="onPrev" delay="0">
+                  <p:tgtEl>
+                    <p:sldTgt/>
+                  </p:tgtEl>
+                </p:cond>
+              </p:prevCondLst>
+              <p:nextCondLst>
+                <p:cond evt="onNext" delay="0">
+                  <p:tgtEl>
+                    <p:sldTgt/>
+                  </p:tgtEl>
+                </p:cond>
+              </p:nextCondLst>
+            </p:seq>
+            <p:video>
+              <p:cMediaNode vol="80000">
+                <p:cTn id="7" fill="hold" display="0">
+                  <p:stCondLst>
+                    <p:cond delay="indefinite"/>
+                  </p:stCondLst>
+                </p:cTn>
+                <p:tgtEl>
+                  <p:spTgt spid="5"/>
+                </p:tgtEl>
+              </p:cMediaNode>
+            </p:video>
+            <p:seq concurrent="1" nextAc="seek">
+              <p:cTn id="8" restart="whenNotActive" fill="hold" evtFilter="cancelBubble" nodeType="interactiveSeq">
+                <p:stCondLst>
+                  <p:cond evt="onClick" delay="0">
+                    <p:tgtEl>
+                      <p:spTgt spid="5"/>
+                    </p:tgtEl>
+                  </p:cond>
+                </p:stCondLst>
+                <p:endSync evt="end" delay="0">
+                  <p:rtn val="all"/>
+                </p:endSync>
+                <p:childTnLst>
+                  <p:par>
+                    <p:cTn id="9" fill="hold">
+                      <p:stCondLst>
+                        <p:cond delay="0"/>
+                      </p:stCondLst>
+                      <p:childTnLst>
+                        <p:par>
+                          <p:cTn id="10" fill="hold">
+                            <p:stCondLst>
+                              <p:cond delay="0"/>
+                            </p:stCondLst>
+                            <p:childTnLst>
+                              <p:par>
+                                <p:cTn id="11" presetID="2" presetClass="mediacall" presetSubtype="0" fill="hold" nodeType="clickEffect">
+                                  <p:stCondLst>
+                                    <p:cond delay="0"/>
+                                  </p:stCondLst>
+                                  <p:childTnLst>
+                                    <p:cmd type="call" cmd="togglePause">
+                                      <p:cBhvr>
+                                        <p:cTn id="12" dur="1" fill="hold"/>
+                                        <p:tgtEl>
+                                          <p:spTgt spid="5"/>
+                                        </p:tgtEl>
+                                      </p:cBhvr>
+                                    </p:cmd>
+                                  </p:childTnLst>
+                                </p:cTn>
+                              </p:par>
+                            </p:childTnLst>
+                          </p:cTn>
+                        </p:par>
+                      </p:childTnLst>
+                    </p:cTn>
+                  </p:par>
+                </p:childTnLst>
+              </p:cTn>
+              <p:nextCondLst>
+                <p:cond evt="onClick" delay="0">
+                  <p:tgtEl>
+                    <p:spTgt spid="5"/>
+                  </p:tgtEl>
+                </p:cond>
+              </p:nextCondLst>
+            </p:seq>
+          </p:childTnLst>
+        </p:cTn>
+      </p:par>
+    </p:tnLst>
+  </p:timing>
 </p:sld>
 </file>
 
-<file path=ppt/slides/slide12.xml><?xml version="1.0" encoding="utf-8"?>
+<file path=ppt/slides/slide13.xml><?xml version="1.0" encoding="utf-8"?>
 <p:sld xmlns:a="http://schemas.openxmlformats.org/drawingml/2006/main" xmlns:r="http://schemas.openxmlformats.org/officeDocument/2006/relationships" xmlns:p="http://schemas.openxmlformats.org/presentationml/2006/main">
   <p:cSld>
     <p:spTree>
@@ -11685,49 +12498,6 @@
           </a:p>
         </p:txBody>
       </p:sp>
-      <p:sp>
-        <p:nvSpPr>
-          <p:cNvPr id="3" name="文字方塊 2">
-            <a:extLst>
-              <a:ext uri="{FF2B5EF4-FFF2-40B4-BE49-F238E27FC236}">
-                <a16:creationId xmlns:a16="http://schemas.microsoft.com/office/drawing/2014/main" id="{BEFE7966-7D81-46C7-9EC5-35AA99DA5D8B}"/>
-              </a:ext>
-            </a:extLst>
-          </p:cNvPr>
-          <p:cNvSpPr txBox="1"/>
-          <p:nvPr/>
-        </p:nvSpPr>
-        <p:spPr>
-          <a:xfrm>
-            <a:off x="7342469" y="4324309"/>
-            <a:ext cx="4092343" cy="646331"/>
-          </a:xfrm>
-          <a:prstGeom prst="rect">
-            <a:avLst/>
-          </a:prstGeom>
-          <a:noFill/>
-        </p:spPr>
-        <p:txBody>
-          <a:bodyPr wrap="square" rtlCol="0">
-            <a:spAutoFit/>
-          </a:bodyPr>
-          <a:lstStyle/>
-          <a:p>
-            <a:r>
-              <a:rPr lang="zh-TW" altLang="en-US" dirty="0"/>
-              <a:t>台鐵的</a:t>
-            </a:r>
-            <a:r>
-              <a:rPr lang="en-US" altLang="zh-TW" dirty="0" err="1"/>
-              <a:t>api</a:t>
-            </a:r>
-            <a:r>
-              <a:rPr lang="zh-TW" altLang="en-US" dirty="0"/>
-              <a:t>可拿到隨時間更新的列車動態資料</a:t>
-            </a:r>
-          </a:p>
-        </p:txBody>
-      </p:sp>
       <p:pic>
         <p:nvPicPr>
           <p:cNvPr id="12" name="圖片 11">
@@ -11780,14 +12550,81 @@
         </p:blipFill>
         <p:spPr>
           <a:xfrm>
-            <a:off x="7066899" y="2059205"/>
-            <a:ext cx="4786258" cy="1086610"/>
+            <a:off x="6853675" y="1137017"/>
+            <a:ext cx="4786258" cy="1001928"/>
           </a:xfrm>
           <a:prstGeom prst="rect">
             <a:avLst/>
           </a:prstGeom>
         </p:spPr>
       </p:pic>
+      <p:pic>
+        <p:nvPicPr>
+          <p:cNvPr id="2" name="圖片 1"/>
+          <p:cNvPicPr>
+            <a:picLocks noChangeAspect="1"/>
+          </p:cNvPicPr>
+          <p:nvPr/>
+        </p:nvPicPr>
+        <p:blipFill>
+          <a:blip r:embed="rId5"/>
+          <a:stretch>
+            <a:fillRect/>
+          </a:stretch>
+        </p:blipFill>
+        <p:spPr>
+          <a:xfrm>
+            <a:off x="7214073" y="2670767"/>
+            <a:ext cx="4065462" cy="4091399"/>
+          </a:xfrm>
+          <a:prstGeom prst="rect">
+            <a:avLst/>
+          </a:prstGeom>
+        </p:spPr>
+      </p:pic>
+      <p:sp>
+        <p:nvSpPr>
+          <p:cNvPr id="3" name="文字方塊 2">
+            <a:extLst>
+              <a:ext uri="{FF2B5EF4-FFF2-40B4-BE49-F238E27FC236}">
+                <a16:creationId xmlns:a16="http://schemas.microsoft.com/office/drawing/2014/main" id="{BEFE7966-7D81-46C7-9EC5-35AA99DA5D8B}"/>
+              </a:ext>
+            </a:extLst>
+          </p:cNvPr>
+          <p:cNvSpPr txBox="1"/>
+          <p:nvPr/>
+        </p:nvSpPr>
+        <p:spPr>
+          <a:xfrm>
+            <a:off x="7030528" y="2024436"/>
+            <a:ext cx="4249007" cy="646331"/>
+          </a:xfrm>
+          <a:prstGeom prst="rect">
+            <a:avLst/>
+          </a:prstGeom>
+          <a:noFill/>
+        </p:spPr>
+        <p:txBody>
+          <a:bodyPr wrap="square" rtlCol="0">
+            <a:spAutoFit/>
+          </a:bodyPr>
+          <a:lstStyle/>
+          <a:p>
+            <a:r>
+              <a:rPr lang="zh-TW" altLang="en-US" dirty="0"/>
+              <a:t>台鐵的</a:t>
+            </a:r>
+            <a:r>
+              <a:rPr lang="en-US" altLang="zh-TW" dirty="0" err="1"/>
+              <a:t>api</a:t>
+            </a:r>
+            <a:r>
+              <a:rPr lang="zh-TW" altLang="en-US" dirty="0"/>
+              <a:t>可拿到隨時間更新的列車動態資料</a:t>
+            </a:r>
+          </a:p>
+        </p:txBody>
+      </p:sp>
     </p:spTree>
     <p:extLst>
       <p:ext uri="{BB962C8B-B14F-4D97-AF65-F5344CB8AC3E}">
@@ -11840,6 +12677,144 @@
         </p:nvSpPr>
         <p:spPr>
           <a:xfrm>
+            <a:off x="2568341" y="397662"/>
+            <a:ext cx="7055317" cy="1569660"/>
+          </a:xfrm>
+          <a:prstGeom prst="rect">
+            <a:avLst/>
+          </a:prstGeom>
+          <a:noFill/>
+        </p:spPr>
+        <p:txBody>
+          <a:bodyPr wrap="square" rtlCol="0">
+            <a:spAutoFit/>
+          </a:bodyPr>
+          <a:lstStyle/>
+          <a:p>
+            <a:r>
+              <a:rPr lang="zh-TW" altLang="en-US" sz="4800" dirty="0">
+                <a:latin typeface="微软雅黑" panose="020B0503020204020204" pitchFamily="34" charset="-122"/>
+                <a:ea typeface="微软雅黑" panose="020B0503020204020204" pitchFamily="34" charset="-122"/>
+              </a:rPr>
+              <a:t>使用的技術</a:t>
+            </a:r>
+            <a:r>
+              <a:rPr lang="en-US" altLang="zh-TW" sz="4800" dirty="0">
+                <a:latin typeface="微软雅黑" panose="020B0503020204020204" pitchFamily="34" charset="-122"/>
+                <a:ea typeface="微软雅黑" panose="020B0503020204020204" pitchFamily="34" charset="-122"/>
+              </a:rPr>
+              <a:t>-</a:t>
+            </a:r>
+            <a:r>
+              <a:rPr lang="zh-TW" altLang="en-US" sz="4800" dirty="0">
+                <a:latin typeface="微软雅黑" panose="020B0503020204020204" pitchFamily="34" charset="-122"/>
+                <a:ea typeface="微软雅黑" panose="020B0503020204020204" pitchFamily="34" charset="-122"/>
+              </a:rPr>
+              <a:t>臺鐵資訊 </a:t>
+            </a:r>
+            <a:r>
+              <a:rPr lang="en-US" altLang="zh-TW" sz="4800" dirty="0" err="1">
+                <a:latin typeface="微软雅黑" panose="020B0503020204020204" pitchFamily="34" charset="-122"/>
+                <a:ea typeface="微软雅黑" panose="020B0503020204020204" pitchFamily="34" charset="-122"/>
+              </a:rPr>
+              <a:t>api</a:t>
+            </a:r>
+            <a:endParaRPr lang="en-US" altLang="en-US" sz="4800" b="1" kern="0" dirty="0">
+              <a:latin typeface="微软雅黑" panose="020B0503020204020204" pitchFamily="34" charset="-122"/>
+              <a:ea typeface="微软雅黑" panose="020B0503020204020204" pitchFamily="34" charset="-122"/>
+              <a:sym typeface="Arial" panose="020B0604020202020204" pitchFamily="34" charset="0"/>
+            </a:endParaRPr>
+          </a:p>
+          <a:p>
+            <a:endParaRPr lang="zh-CN" altLang="en-US" sz="4800" dirty="0">
+              <a:latin typeface="微软雅黑" panose="020B0503020204020204" pitchFamily="34" charset="-122"/>
+              <a:ea typeface="微软雅黑" panose="020B0503020204020204" pitchFamily="34" charset="-122"/>
+            </a:endParaRPr>
+          </a:p>
+        </p:txBody>
+      </p:sp>
+      <p:pic>
+        <p:nvPicPr>
+          <p:cNvPr id="6" name="圖片 5">
+            <a:extLst>
+              <a:ext uri="{FF2B5EF4-FFF2-40B4-BE49-F238E27FC236}">
+                <a16:creationId xmlns:a16="http://schemas.microsoft.com/office/drawing/2014/main" id="{0BE5BFF5-7714-4138-A81A-E1E694DF1231}"/>
+              </a:ext>
+            </a:extLst>
+          </p:cNvPr>
+          <p:cNvPicPr>
+            <a:picLocks noChangeAspect="1"/>
+          </p:cNvPicPr>
+          <p:nvPr/>
+        </p:nvPicPr>
+        <p:blipFill>
+          <a:blip r:embed="rId3"/>
+          <a:stretch>
+            <a:fillRect/>
+          </a:stretch>
+        </p:blipFill>
+        <p:spPr>
+          <a:xfrm>
+            <a:off x="1551964" y="1594318"/>
+            <a:ext cx="8170877" cy="4400103"/>
+          </a:xfrm>
+          <a:prstGeom prst="rect">
+            <a:avLst/>
+          </a:prstGeom>
+        </p:spPr>
+      </p:pic>
+    </p:spTree>
+    <p:extLst>
+      <p:ext uri="{BB962C8B-B14F-4D97-AF65-F5344CB8AC3E}">
+        <p14:creationId xmlns:p14="http://schemas.microsoft.com/office/powerpoint/2010/main" val="2326645355"/>
+      </p:ext>
+    </p:extLst>
+  </p:cSld>
+  <p:clrMapOvr>
+    <a:masterClrMapping/>
+  </p:clrMapOvr>
+  <mc:AlternateContent xmlns:mc="http://schemas.openxmlformats.org/markup-compatibility/2006" xmlns:p14="http://schemas.microsoft.com/office/powerpoint/2010/main">
+    <mc:Choice Requires="p14">
+      <p:transition p14:dur="10"/>
+    </mc:Choice>
+    <mc:Fallback xmlns="">
+      <p:transition/>
+    </mc:Fallback>
+  </mc:AlternateContent>
+</p:sld>
+</file>
+
+<file path=ppt/slides/slide8.xml><?xml version="1.0" encoding="utf-8"?>
+<p:sld xmlns:a="http://schemas.openxmlformats.org/drawingml/2006/main" xmlns:r="http://schemas.openxmlformats.org/officeDocument/2006/relationships" xmlns:p="http://schemas.openxmlformats.org/presentationml/2006/main">
+  <p:cSld>
+    <p:spTree>
+      <p:nvGrpSpPr>
+        <p:cNvPr id="1" name=""/>
+        <p:cNvGrpSpPr/>
+        <p:nvPr/>
+      </p:nvGrpSpPr>
+      <p:grpSpPr>
+        <a:xfrm>
+          <a:off x="0" y="0"/>
+          <a:ext cx="0" cy="0"/>
+          <a:chOff x="0" y="0"/>
+          <a:chExt cx="0" cy="0"/>
+        </a:xfrm>
+      </p:grpSpPr>
+      <p:sp>
+        <p:nvSpPr>
+          <p:cNvPr id="23" name="文本框 22">
+            <a:extLst>
+              <a:ext uri="{FF2B5EF4-FFF2-40B4-BE49-F238E27FC236}">
+                <a16:creationId xmlns:a16="http://schemas.microsoft.com/office/drawing/2014/main" id="{BEDCAAD0-7A73-4B4B-9F0E-E36C16CEDF10}"/>
+              </a:ext>
+            </a:extLst>
+          </p:cNvPr>
+          <p:cNvSpPr txBox="1"/>
+          <p:nvPr/>
+        </p:nvSpPr>
+        <p:spPr>
+          <a:xfrm>
             <a:off x="2531282" y="291941"/>
             <a:ext cx="7132482" cy="1569660"/>
           </a:xfrm>
@@ -11936,7 +12911,7 @@
         </p:nvSpPr>
         <p:spPr>
           <a:xfrm>
-            <a:off x="8123721" y="2245747"/>
+            <a:off x="7974528" y="1976176"/>
             <a:ext cx="3080085" cy="2031325"/>
           </a:xfrm>
           <a:prstGeom prst="rect">
@@ -12015,7 +12990,7 @@
             </a:r>
             <a:r>
               <a:rPr lang="zh-TW" altLang="en-US" dirty="0"/>
-              <a:t>做到不需重整頁面即可更新車站的列車資訊</a:t>
+              <a:t>作到不需重整頁面即可更新車站的列車資訊。</a:t>
             </a:r>
             <a:endParaRPr lang="en-US" altLang="zh-TW" dirty="0"/>
           </a:p>
@@ -12097,6 +13072,36 @@
           </a:prstGeom>
         </p:spPr>
       </p:pic>
+      <p:pic>
+        <p:nvPicPr>
+          <p:cNvPr id="3" name="圖片 2">
+            <a:extLst>
+              <a:ext uri="{FF2B5EF4-FFF2-40B4-BE49-F238E27FC236}">
+                <a16:creationId xmlns:a16="http://schemas.microsoft.com/office/drawing/2014/main" id="{633BB25A-5EFC-499C-8E4F-E8A5FC36DFC7}"/>
+              </a:ext>
+            </a:extLst>
+          </p:cNvPr>
+          <p:cNvPicPr>
+            <a:picLocks noChangeAspect="1"/>
+          </p:cNvPicPr>
+          <p:nvPr/>
+        </p:nvPicPr>
+        <p:blipFill>
+          <a:blip r:embed="rId4"/>
+          <a:stretch>
+            <a:fillRect/>
+          </a:stretch>
+        </p:blipFill>
+        <p:spPr>
+          <a:xfrm>
+            <a:off x="8995317" y="3563079"/>
+            <a:ext cx="920470" cy="1886964"/>
+          </a:xfrm>
+          <a:prstGeom prst="rect">
+            <a:avLst/>
+          </a:prstGeom>
+        </p:spPr>
+      </p:pic>
     </p:spTree>
     <p:extLst>
       <p:ext uri="{BB962C8B-B14F-4D97-AF65-F5344CB8AC3E}">
@@ -12118,7 +13123,7 @@
 </p:sld>
 </file>
 
-<file path=ppt/slides/slide8.xml><?xml version="1.0" encoding="utf-8"?>
+<file path=ppt/slides/slide9.xml><?xml version="1.0" encoding="utf-8"?>
 <p:sld xmlns:a="http://schemas.openxmlformats.org/drawingml/2006/main" xmlns:r="http://schemas.openxmlformats.org/officeDocument/2006/relationships" xmlns:p="http://schemas.openxmlformats.org/presentationml/2006/main">
   <p:cSld>
     <p:spTree>
@@ -12331,399 +13336,12 @@
           </a:p>
         </p:txBody>
       </p:sp>
-    </p:spTree>
-    <p:extLst>
-      <p:ext uri="{BB962C8B-B14F-4D97-AF65-F5344CB8AC3E}">
-        <p14:creationId xmlns:p14="http://schemas.microsoft.com/office/powerpoint/2010/main" val="2353314763"/>
-      </p:ext>
-    </p:extLst>
-  </p:cSld>
-  <p:clrMapOvr>
-    <a:masterClrMapping/>
-  </p:clrMapOvr>
-</p:sld>
-</file>
-
-<file path=ppt/slides/slide9.xml><?xml version="1.0" encoding="utf-8"?>
-<p:sld xmlns:a="http://schemas.openxmlformats.org/drawingml/2006/main" xmlns:r="http://schemas.openxmlformats.org/officeDocument/2006/relationships" xmlns:p="http://schemas.openxmlformats.org/presentationml/2006/main">
-  <p:cSld>
-    <p:spTree>
-      <p:nvGrpSpPr>
-        <p:cNvPr id="1" name=""/>
-        <p:cNvGrpSpPr/>
-        <p:nvPr/>
-      </p:nvGrpSpPr>
-      <p:grpSpPr>
-        <a:xfrm>
-          <a:off x="0" y="0"/>
-          <a:ext cx="0" cy="0"/>
-          <a:chOff x="0" y="0"/>
-          <a:chExt cx="0" cy="0"/>
-        </a:xfrm>
-      </p:grpSpPr>
-      <p:sp>
-        <p:nvSpPr>
-          <p:cNvPr id="44" name="文本框 43">
+      <p:pic>
+        <p:nvPicPr>
+          <p:cNvPr id="4" name="圖片 3">
             <a:extLst>
               <a:ext uri="{FF2B5EF4-FFF2-40B4-BE49-F238E27FC236}">
-                <a16:creationId xmlns:a16="http://schemas.microsoft.com/office/drawing/2014/main" id="{527B6D09-841D-459E-A7DC-18A6F0EB159F}"/>
-              </a:ext>
-            </a:extLst>
-          </p:cNvPr>
-          <p:cNvSpPr txBox="1"/>
-          <p:nvPr/>
-        </p:nvSpPr>
-        <p:spPr>
-          <a:xfrm>
-            <a:off x="3640594" y="315992"/>
-            <a:ext cx="4910809" cy="1569660"/>
-          </a:xfrm>
-          <a:prstGeom prst="rect">
-            <a:avLst/>
-          </a:prstGeom>
-          <a:noFill/>
-        </p:spPr>
-        <p:txBody>
-          <a:bodyPr wrap="square" rtlCol="0">
-            <a:spAutoFit/>
-          </a:bodyPr>
-          <a:lstStyle/>
-          <a:p>
-            <a:r>
-              <a:rPr lang="zh-TW" altLang="en-US" sz="4800" dirty="0">
-                <a:latin typeface="微软雅黑" panose="020B0503020204020204" pitchFamily="34" charset="-122"/>
-                <a:ea typeface="微软雅黑" panose="020B0503020204020204" pitchFamily="34" charset="-122"/>
-              </a:rPr>
-              <a:t>網站特色</a:t>
-            </a:r>
-            <a:r>
-              <a:rPr lang="en-US" altLang="zh-TW" sz="4800" dirty="0">
-                <a:latin typeface="微软雅黑" panose="020B0503020204020204" pitchFamily="34" charset="-122"/>
-                <a:ea typeface="微软雅黑" panose="020B0503020204020204" pitchFamily="34" charset="-122"/>
-              </a:rPr>
-              <a:t>-</a:t>
-            </a:r>
-            <a:r>
-              <a:rPr lang="zh-TW" altLang="en-US" sz="4800" dirty="0">
-                <a:latin typeface="微软雅黑"/>
-                <a:ea typeface="微软雅黑"/>
-                <a:cs typeface="Bebas Neue" charset="0"/>
-                <a:sym typeface="Bebas Neue" charset="0"/>
-              </a:rPr>
-              <a:t>視覺化</a:t>
-            </a:r>
-            <a:endParaRPr lang="en-US" altLang="zh-CN" sz="4800" dirty="0">
-              <a:latin typeface="微软雅黑"/>
-              <a:ea typeface="微软雅黑"/>
-              <a:cs typeface="Bebas Neue" charset="0"/>
-              <a:sym typeface="Bebas Neue" charset="0"/>
-            </a:endParaRPr>
-          </a:p>
-          <a:p>
-            <a:endParaRPr lang="zh-CN" altLang="en-US" sz="4800" dirty="0">
-              <a:latin typeface="微软雅黑" panose="020B0503020204020204" pitchFamily="34" charset="-122"/>
-              <a:ea typeface="微软雅黑" panose="020B0503020204020204" pitchFamily="34" charset="-122"/>
-            </a:endParaRPr>
-          </a:p>
-        </p:txBody>
-      </p:sp>
-      <p:grpSp>
-        <p:nvGrpSpPr>
-          <p:cNvPr id="45" name="组合 55">
-            <a:extLst>
-              <a:ext uri="{FF2B5EF4-FFF2-40B4-BE49-F238E27FC236}">
-                <a16:creationId xmlns:a16="http://schemas.microsoft.com/office/drawing/2014/main" id="{7B2C076E-D09A-4EB8-BE7F-AF32AC5D8C2D}"/>
-              </a:ext>
-            </a:extLst>
-          </p:cNvPr>
-          <p:cNvGrpSpPr/>
-          <p:nvPr/>
-        </p:nvGrpSpPr>
-        <p:grpSpPr>
-          <a:xfrm>
-            <a:off x="1042036" y="1553469"/>
-            <a:ext cx="9092680" cy="4988539"/>
-            <a:chOff x="8055161" y="1866986"/>
-            <a:chExt cx="5473640" cy="3741407"/>
-          </a:xfrm>
-        </p:grpSpPr>
-        <p:sp>
-          <p:nvSpPr>
-            <p:cNvPr id="48" name="文本框 57">
-              <a:extLst>
-                <a:ext uri="{FF2B5EF4-FFF2-40B4-BE49-F238E27FC236}">
-                  <a16:creationId xmlns:a16="http://schemas.microsoft.com/office/drawing/2014/main" id="{C7AEB1CA-4153-474B-8C3B-D63E8C4CF961}"/>
-                </a:ext>
-              </a:extLst>
-            </p:cNvPr>
-            <p:cNvSpPr txBox="1"/>
-            <p:nvPr/>
-          </p:nvSpPr>
-          <p:spPr bwMode="auto">
-            <a:xfrm>
-              <a:off x="8666320" y="5276956"/>
-              <a:ext cx="4862481" cy="331437"/>
-            </a:xfrm>
-            <a:prstGeom prst="rect">
-              <a:avLst/>
-            </a:prstGeom>
-            <a:noFill/>
-            <a:ln>
-              <a:noFill/>
-            </a:ln>
-            <a:extLst>
-              <a:ext uri="{909E8E84-426E-40DD-AFC4-6F175D3DCCD1}">
-                <a14:hiddenFill xmlns:a14="http://schemas.microsoft.com/office/drawing/2010/main">
-                  <a:solidFill>
-                    <a:srgbClr val="FFFFFF"/>
-                  </a:solidFill>
-                </a14:hiddenFill>
-              </a:ext>
-              <a:ext uri="{91240B29-F687-4F45-9708-019B960494DF}">
-                <a14:hiddenLine xmlns:a14="http://schemas.microsoft.com/office/drawing/2010/main" w="9525">
-                  <a:solidFill>
-                    <a:srgbClr val="000000"/>
-                  </a:solidFill>
-                  <a:miter lim="800000"/>
-                  <a:headEnd/>
-                  <a:tailEnd/>
-                </a14:hiddenLine>
-              </a:ext>
-            </a:extLst>
-          </p:spPr>
-          <p:txBody>
-            <a:bodyPr wrap="square">
-              <a:spAutoFit/>
-            </a:bodyPr>
-            <a:lstStyle>
-              <a:defPPr>
-                <a:defRPr lang="zh-CN"/>
-              </a:defPPr>
-              <a:lvl1pPr algn="ctr" eaLnBrk="1" hangingPunct="1">
-                <a:lnSpc>
-                  <a:spcPts val="900"/>
-                </a:lnSpc>
-                <a:defRPr sz="600">
-                  <a:solidFill>
-                    <a:schemeClr val="bg1"/>
-                  </a:solidFill>
-                  <a:latin typeface="Arial" panose="020B0604020202020204" pitchFamily="34" charset="0"/>
-                  <a:ea typeface="微软雅黑" panose="020B0503020204020204" pitchFamily="34" charset="-122"/>
-                  <a:cs typeface="Arial" panose="020B0604020202020204" pitchFamily="34" charset="0"/>
-                </a:defRPr>
-              </a:lvl1pPr>
-              <a:lvl2pPr marL="742950" indent="-285750"/>
-              <a:lvl3pPr marL="1143000" indent="-228600"/>
-              <a:lvl4pPr marL="1600200" indent="-228600"/>
-              <a:lvl5pPr marL="2057400" indent="-228600"/>
-              <a:lvl6pPr marL="2514600" indent="-228600" eaLnBrk="0" fontAlgn="base" hangingPunct="0">
-                <a:spcBef>
-                  <a:spcPct val="0"/>
-                </a:spcBef>
-                <a:spcAft>
-                  <a:spcPct val="0"/>
-                </a:spcAft>
-              </a:lvl6pPr>
-              <a:lvl7pPr marL="2971800" indent="-228600" eaLnBrk="0" fontAlgn="base" hangingPunct="0">
-                <a:spcBef>
-                  <a:spcPct val="0"/>
-                </a:spcBef>
-                <a:spcAft>
-                  <a:spcPct val="0"/>
-                </a:spcAft>
-              </a:lvl7pPr>
-              <a:lvl8pPr marL="3429000" indent="-228600" eaLnBrk="0" fontAlgn="base" hangingPunct="0">
-                <a:spcBef>
-                  <a:spcPct val="0"/>
-                </a:spcBef>
-                <a:spcAft>
-                  <a:spcPct val="0"/>
-                </a:spcAft>
-              </a:lvl8pPr>
-              <a:lvl9pPr marL="3886200" indent="-228600" eaLnBrk="0" fontAlgn="base" hangingPunct="0">
-                <a:spcBef>
-                  <a:spcPct val="0"/>
-                </a:spcBef>
-                <a:spcAft>
-                  <a:spcPct val="0"/>
-                </a:spcAft>
-              </a:lvl9pPr>
-            </a:lstStyle>
-            <a:p>
-              <a:pPr algn="l" fontAlgn="base">
-                <a:lnSpc>
-                  <a:spcPct val="125000"/>
-                </a:lnSpc>
-                <a:spcBef>
-                  <a:spcPct val="0"/>
-                </a:spcBef>
-                <a:spcAft>
-                  <a:spcPct val="0"/>
-                </a:spcAft>
-              </a:pPr>
-              <a:r>
-                <a:rPr lang="zh-TW" altLang="en-US" sz="2000" dirty="0">
-                  <a:solidFill>
-                    <a:schemeClr val="tx1"/>
-                  </a:solidFill>
-                  <a:latin typeface="微软雅黑"/>
-                  <a:ea typeface="微软雅黑"/>
-                  <a:cs typeface="Lato Light" charset="0"/>
-                  <a:sym typeface="Lato Light" charset="0"/>
-                </a:rPr>
-                <a:t>車站以紅色圓點表示，網頁開啟時會顯示站名，可以迅速找到想找的站</a:t>
-              </a:r>
-              <a:endParaRPr lang="en-US" altLang="zh-TW" sz="2000" dirty="0">
-                <a:solidFill>
-                  <a:schemeClr val="tx1"/>
-                </a:solidFill>
-                <a:latin typeface="微软雅黑"/>
-                <a:ea typeface="微软雅黑"/>
-                <a:cs typeface="Lato Light" charset="0"/>
-                <a:sym typeface="Lato Light" charset="0"/>
-              </a:endParaRPr>
-            </a:p>
-          </p:txBody>
-        </p:sp>
-        <p:sp>
-          <p:nvSpPr>
-            <p:cNvPr id="49" name="文本框 24">
-              <a:extLst>
-                <a:ext uri="{FF2B5EF4-FFF2-40B4-BE49-F238E27FC236}">
-                  <a16:creationId xmlns:a16="http://schemas.microsoft.com/office/drawing/2014/main" id="{41192D14-4D42-4148-8EC8-C160DBB5C3E8}"/>
-                </a:ext>
-              </a:extLst>
-            </p:cNvPr>
-            <p:cNvSpPr txBox="1">
-              <a:spLocks noChangeArrowheads="1"/>
-            </p:cNvSpPr>
-            <p:nvPr/>
-          </p:nvSpPr>
-          <p:spPr bwMode="auto">
-            <a:xfrm>
-              <a:off x="8055161" y="1866986"/>
-              <a:ext cx="1165041" cy="269593"/>
-            </a:xfrm>
-            <a:prstGeom prst="rect">
-              <a:avLst/>
-            </a:prstGeom>
-            <a:noFill/>
-            <a:ln>
-              <a:noFill/>
-            </a:ln>
-            <a:extLst>
-              <a:ext uri="{909E8E84-426E-40DD-AFC4-6F175D3DCCD1}">
-                <a14:hiddenFill xmlns:a14="http://schemas.microsoft.com/office/drawing/2010/main">
-                  <a:solidFill>
-                    <a:srgbClr val="FFFFFF"/>
-                  </a:solidFill>
-                </a14:hiddenFill>
-              </a:ext>
-              <a:ext uri="{91240B29-F687-4F45-9708-019B960494DF}">
-                <a14:hiddenLine xmlns:a14="http://schemas.microsoft.com/office/drawing/2010/main" w="9525">
-                  <a:solidFill>
-                    <a:srgbClr val="000000"/>
-                  </a:solidFill>
-                  <a:miter lim="800000"/>
-                  <a:headEnd/>
-                  <a:tailEnd/>
-                </a14:hiddenLine>
-              </a:ext>
-            </a:extLst>
-          </p:spPr>
-          <p:txBody>
-            <a:bodyPr wrap="square">
-              <a:spAutoFit/>
-            </a:bodyPr>
-            <a:lstStyle>
-              <a:defPPr>
-                <a:defRPr lang="zh-CN"/>
-              </a:defPPr>
-              <a:lvl1pPr eaLnBrk="1" hangingPunct="1">
-                <a:lnSpc>
-                  <a:spcPts val="1200"/>
-                </a:lnSpc>
-                <a:defRPr sz="800">
-                  <a:solidFill>
-                    <a:schemeClr val="tx1">
-                      <a:lumMod val="75000"/>
-                      <a:lumOff val="25000"/>
-                    </a:schemeClr>
-                  </a:solidFill>
-                  <a:latin typeface="Arial" panose="020B0604020202020204" pitchFamily="34" charset="0"/>
-                  <a:ea typeface="微软雅黑" panose="020B0503020204020204" pitchFamily="34" charset="-122"/>
-                  <a:cs typeface="Arial" panose="020B0604020202020204" pitchFamily="34" charset="0"/>
-                </a:defRPr>
-              </a:lvl1pPr>
-              <a:lvl2pPr marL="742950" indent="-285750"/>
-              <a:lvl3pPr marL="1143000" indent="-228600"/>
-              <a:lvl4pPr marL="1600200" indent="-228600"/>
-              <a:lvl5pPr marL="2057400" indent="-228600"/>
-              <a:lvl6pPr marL="2514600" indent="-228600" fontAlgn="base">
-                <a:spcBef>
-                  <a:spcPct val="0"/>
-                </a:spcBef>
-                <a:spcAft>
-                  <a:spcPct val="0"/>
-                </a:spcAft>
-              </a:lvl6pPr>
-              <a:lvl7pPr marL="2971800" indent="-228600" fontAlgn="base">
-                <a:spcBef>
-                  <a:spcPct val="0"/>
-                </a:spcBef>
-                <a:spcAft>
-                  <a:spcPct val="0"/>
-                </a:spcAft>
-              </a:lvl7pPr>
-              <a:lvl8pPr marL="3429000" indent="-228600" fontAlgn="base">
-                <a:spcBef>
-                  <a:spcPct val="0"/>
-                </a:spcBef>
-                <a:spcAft>
-                  <a:spcPct val="0"/>
-                </a:spcAft>
-              </a:lvl8pPr>
-              <a:lvl9pPr marL="3886200" indent="-228600" fontAlgn="base">
-                <a:spcBef>
-                  <a:spcPct val="0"/>
-                </a:spcBef>
-                <a:spcAft>
-                  <a:spcPct val="0"/>
-                </a:spcAft>
-              </a:lvl9pPr>
-            </a:lstStyle>
-            <a:p>
-              <a:pPr fontAlgn="base">
-                <a:lnSpc>
-                  <a:spcPct val="70000"/>
-                </a:lnSpc>
-                <a:spcBef>
-                  <a:spcPct val="0"/>
-                </a:spcBef>
-                <a:spcAft>
-                  <a:spcPct val="0"/>
-                </a:spcAft>
-                <a:buNone/>
-              </a:pPr>
-              <a:endParaRPr lang="en-US" altLang="zh-CN" sz="2400" dirty="0">
-                <a:solidFill>
-                  <a:schemeClr val="tx1"/>
-                </a:solidFill>
-                <a:latin typeface="微软雅黑"/>
-                <a:ea typeface="微软雅黑"/>
-                <a:cs typeface="Bebas Neue" charset="0"/>
-                <a:sym typeface="Bebas Neue" charset="0"/>
-              </a:endParaRPr>
-            </a:p>
-          </p:txBody>
-        </p:sp>
-      </p:grpSp>
-      <p:pic>
-        <p:nvPicPr>
-          <p:cNvPr id="2" name="圖片 1">
-            <a:extLst>
-              <a:ext uri="{FF2B5EF4-FFF2-40B4-BE49-F238E27FC236}">
-                <a16:creationId xmlns:a16="http://schemas.microsoft.com/office/drawing/2014/main" id="{C464CDC9-06DB-4943-8520-BFBA10FCDA8E}"/>
+                <a16:creationId xmlns:a16="http://schemas.microsoft.com/office/drawing/2014/main" id="{E93CFB5A-B25E-4ABA-93B0-54E536EE6B76}"/>
               </a:ext>
             </a:extLst>
           </p:cNvPr>
@@ -12740,8 +13358,38 @@
         </p:blipFill>
         <p:spPr>
           <a:xfrm>
-            <a:off x="1975861" y="1475692"/>
-            <a:ext cx="8240277" cy="4281486"/>
+            <a:off x="1234179" y="1266103"/>
+            <a:ext cx="2657475" cy="4714875"/>
+          </a:xfrm>
+          <a:prstGeom prst="rect">
+            <a:avLst/>
+          </a:prstGeom>
+        </p:spPr>
+      </p:pic>
+      <p:pic>
+        <p:nvPicPr>
+          <p:cNvPr id="5" name="圖片 4">
+            <a:extLst>
+              <a:ext uri="{FF2B5EF4-FFF2-40B4-BE49-F238E27FC236}">
+                <a16:creationId xmlns:a16="http://schemas.microsoft.com/office/drawing/2014/main" id="{E72196E0-23BB-412A-BA64-37A10272CED4}"/>
+              </a:ext>
+            </a:extLst>
+          </p:cNvPr>
+          <p:cNvPicPr>
+            <a:picLocks noChangeAspect="1"/>
+          </p:cNvPicPr>
+          <p:nvPr/>
+        </p:nvPicPr>
+        <p:blipFill>
+          <a:blip r:embed="rId4"/>
+          <a:stretch>
+            <a:fillRect/>
+          </a:stretch>
+        </p:blipFill>
+        <p:spPr>
+          <a:xfrm>
+            <a:off x="4968510" y="2059473"/>
+            <a:ext cx="7019925" cy="942975"/>
           </a:xfrm>
           <a:prstGeom prst="rect">
             <a:avLst/>
@@ -12751,7 +13399,7 @@
     </p:spTree>
     <p:extLst>
       <p:ext uri="{BB962C8B-B14F-4D97-AF65-F5344CB8AC3E}">
-        <p14:creationId xmlns:p14="http://schemas.microsoft.com/office/powerpoint/2010/main" val="602198954"/>
+        <p14:creationId xmlns:p14="http://schemas.microsoft.com/office/powerpoint/2010/main" val="2353314763"/>
       </p:ext>
     </p:extLst>
   </p:cSld>

--- a/臺鐵列車動態地圖-00757006+00757043.pptx
+++ b/臺鐵列車動態地圖-00757006+00757043.pptx
@@ -8724,6 +8724,55 @@
           </a:p>
         </p:txBody>
       </p:sp>
+      <p:sp>
+        <p:nvSpPr>
+          <p:cNvPr id="2" name="文字方塊 1">
+            <a:extLst>
+              <a:ext uri="{FF2B5EF4-FFF2-40B4-BE49-F238E27FC236}">
+                <a16:creationId xmlns:a16="http://schemas.microsoft.com/office/drawing/2014/main" id="{2D5218BE-A433-4014-B438-03F2AB6FA020}"/>
+              </a:ext>
+            </a:extLst>
+          </p:cNvPr>
+          <p:cNvSpPr txBox="1"/>
+          <p:nvPr/>
+        </p:nvSpPr>
+        <p:spPr>
+          <a:xfrm>
+            <a:off x="4165458" y="5519751"/>
+            <a:ext cx="2083266" cy="461665"/>
+          </a:xfrm>
+          <a:prstGeom prst="rect">
+            <a:avLst/>
+          </a:prstGeom>
+          <a:noFill/>
+        </p:spPr>
+        <p:txBody>
+          <a:bodyPr wrap="square" rtlCol="0">
+            <a:spAutoFit/>
+          </a:bodyPr>
+          <a:lstStyle/>
+          <a:p>
+            <a:r>
+              <a:rPr lang="zh-TW" altLang="en-US" sz="2400" b="1" dirty="0">
+                <a:solidFill>
+                  <a:srgbClr val="FF0000"/>
+                </a:solidFill>
+                <a:latin typeface="王漢宗特明體繁" panose="02020300000000000000" pitchFamily="18" charset="-120"/>
+                <a:ea typeface="王漢宗特明體繁" panose="02020300000000000000" pitchFamily="18" charset="-120"/>
+                <a:hlinkClick r:id="rId5"/>
+              </a:rPr>
+              <a:t>網站連結</a:t>
+            </a:r>
+            <a:endParaRPr lang="zh-TW" altLang="en-US" sz="2400" b="1" dirty="0">
+              <a:solidFill>
+                <a:srgbClr val="FF0000"/>
+              </a:solidFill>
+              <a:latin typeface="王漢宗特明體繁" panose="02020300000000000000" pitchFamily="18" charset="-120"/>
+              <a:ea typeface="王漢宗特明體繁" panose="02020300000000000000" pitchFamily="18" charset="-120"/>
+            </a:endParaRPr>
+          </a:p>
+        </p:txBody>
+      </p:sp>
     </p:spTree>
     <p:extLst>
       <p:ext uri="{BB962C8B-B14F-4D97-AF65-F5344CB8AC3E}">
